--- a/2025-2026/IKT/github/Github.pptx
+++ b/2025-2026/IKT/github/Github.pptx
@@ -107,6 +107,11 @@
       </a:defRPr>
     </a:lvl9pPr>
   </p:defaultTextStyle>
+  <p:extLst>
+    <p:ext uri="{EFAFB233-063F-42B5-8137-9DF3F51BA10A}">
+      <p15:sldGuideLst xmlns:p15="http://schemas.microsoft.com/office/powerpoint/2012/main"/>
+    </p:ext>
+  </p:extLst>
 </p:presentation>
 </file>
 
@@ -884,25 +889,10 @@
             </a:lnSpc>
           </a:pPr>
           <a:r>
-            <a:rPr lang="hu-HU" noProof="0" dirty="0"/>
-            <a:t>“</a:t>
+            <a:rPr lang="hu-HU" noProof="0"/>
+            <a:t>“Distributed Version Control” szoftver</a:t>
           </a:r>
-          <a:r>
-            <a:rPr lang="hu-HU" noProof="0" dirty="0" err="1"/>
-            <a:t>Distributed</a:t>
-          </a:r>
-          <a:r>
-            <a:rPr lang="hu-HU" noProof="0" dirty="0"/>
-            <a:t> Version </a:t>
-          </a:r>
-          <a:r>
-            <a:rPr lang="hu-HU" noProof="0" dirty="0" err="1"/>
-            <a:t>Control</a:t>
-          </a:r>
-          <a:r>
-            <a:rPr lang="hu-HU" noProof="0" dirty="0"/>
-            <a:t>” szoftver</a:t>
-          </a:r>
+          <a:endParaRPr lang="hu-HU" noProof="0" dirty="0"/>
         </a:p>
       </dgm:t>
     </dgm:pt>
@@ -941,9 +931,10 @@
             </a:lnSpc>
           </a:pPr>
           <a:r>
-            <a:rPr lang="hu-HU" noProof="0" dirty="0"/>
+            <a:rPr lang="hu-HU" noProof="0"/>
             <a:t>CLI alkalmazás</a:t>
           </a:r>
+          <a:endParaRPr lang="hu-HU" noProof="0" dirty="0"/>
         </a:p>
       </dgm:t>
     </dgm:pt>
@@ -1026,6 +1017,92 @@
         </a:p>
       </dgm:t>
     </dgm:pt>
+    <dgm:pt modelId="{61D60918-B677-465C-8D98-B803171B6020}">
+      <dgm:prSet/>
+      <dgm:spPr/>
+      <dgm:t>
+        <a:bodyPr/>
+        <a:lstStyle/>
+        <a:p>
+          <a:pPr>
+            <a:lnSpc>
+              <a:spcPct val="100000"/>
+            </a:lnSpc>
+          </a:pPr>
+          <a:r>
+            <a:rPr lang="en-DE" noProof="0" dirty="0" err="1"/>
+            <a:t>Engedélyezi</a:t>
+          </a:r>
+          <a:r>
+            <a:rPr lang="en-DE" noProof="0" dirty="0"/>
+            <a:t> a </a:t>
+          </a:r>
+          <a:r>
+            <a:rPr lang="en-DE" dirty="0"/>
+            <a:t>k</a:t>
+          </a:r>
+          <a:r>
+            <a:rPr lang="en-DE" noProof="0" dirty="0" err="1"/>
+            <a:t>ódnak</a:t>
+          </a:r>
+          <a:r>
+            <a:rPr lang="en-DE" noProof="0" dirty="0"/>
+            <a:t> </a:t>
+          </a:r>
+          <a:r>
+            <a:rPr lang="en-DE" noProof="0" dirty="0" err="1"/>
+            <a:t>létrehozását</a:t>
+          </a:r>
+          <a:r>
+            <a:rPr lang="en-DE" noProof="0" dirty="0"/>
+            <a:t>, </a:t>
+          </a:r>
+          <a:r>
+            <a:rPr lang="en-DE" noProof="0" dirty="0" err="1"/>
+            <a:t>tárolását</a:t>
+          </a:r>
+          <a:r>
+            <a:rPr lang="en-DE" noProof="0" dirty="0"/>
+            <a:t>, </a:t>
+          </a:r>
+          <a:r>
+            <a:rPr lang="en-DE" noProof="0" dirty="0" err="1"/>
+            <a:t>felügyelését</a:t>
+          </a:r>
+          <a:r>
+            <a:rPr lang="en-DE" noProof="0" dirty="0"/>
+            <a:t>, </a:t>
+          </a:r>
+          <a:r>
+            <a:rPr lang="en-DE" noProof="0" dirty="0" err="1"/>
+            <a:t>megosztását</a:t>
+          </a:r>
+          <a:endParaRPr lang="hu-HU" noProof="0" dirty="0"/>
+        </a:p>
+      </dgm:t>
+    </dgm:pt>
+    <dgm:pt modelId="{1E2E2E2A-1380-484C-AA13-D811E795055F}" type="parTrans" cxnId="{1EEE3F55-3AE6-4F73-B890-13643130D6DC}">
+      <dgm:prSet/>
+      <dgm:spPr/>
+      <dgm:t>
+        <a:bodyPr/>
+        <a:lstStyle/>
+        <a:p>
+          <a:endParaRPr lang="hu-HU"/>
+        </a:p>
+      </dgm:t>
+    </dgm:pt>
+    <dgm:pt modelId="{20DAC1B1-9FD6-420D-9DC4-4A66D2CEAEBC}" type="sibTrans" cxnId="{1EEE3F55-3AE6-4F73-B890-13643130D6DC}">
+      <dgm:prSet/>
+      <dgm:spPr/>
+      <dgm:t>
+        <a:bodyPr/>
+        <a:lstStyle/>
+        <a:p>
+          <a:endParaRPr lang="hu-HU"/>
+        </a:p>
+      </dgm:t>
+    </dgm:pt>
     <dgm:pt modelId="{3B411D1E-FBE2-450C-BFC3-74A0A8C4A537}" type="pres">
       <dgm:prSet presAssocID="{5FE432FD-2826-41FE-BCFB-86F54B838979}" presName="root" presStyleCnt="0">
         <dgm:presLayoutVars>
@@ -1040,11 +1117,11 @@
       <dgm:spPr/>
     </dgm:pt>
     <dgm:pt modelId="{3C03ABDF-1706-43EB-9C23-C63CCF69702A}" type="pres">
-      <dgm:prSet presAssocID="{0623C114-C4BD-43DE-A668-58CEF82881E9}" presName="bgRect" presStyleLbl="bgShp" presStyleIdx="0" presStyleCnt="3"/>
+      <dgm:prSet presAssocID="{0623C114-C4BD-43DE-A668-58CEF82881E9}" presName="bgRect" presStyleLbl="bgShp" presStyleIdx="0" presStyleCnt="4"/>
       <dgm:spPr/>
     </dgm:pt>
     <dgm:pt modelId="{421B56CD-4EE3-426E-9FA4-5E0AB947D164}" type="pres">
-      <dgm:prSet presAssocID="{0623C114-C4BD-43DE-A668-58CEF82881E9}" presName="iconRect" presStyleLbl="node1" presStyleIdx="0" presStyleCnt="3"/>
+      <dgm:prSet presAssocID="{0623C114-C4BD-43DE-A668-58CEF82881E9}" presName="iconRect" presStyleLbl="node1" presStyleIdx="0" presStyleCnt="4"/>
       <dgm:spPr>
         <a:blipFill>
           <a:blip xmlns:r="http://schemas.openxmlformats.org/officeDocument/2006/relationships" r:embed="rId1">
@@ -1073,7 +1150,7 @@
       <dgm:spPr/>
     </dgm:pt>
     <dgm:pt modelId="{D78D05BD-3716-41BB-94F1-3B2093681288}" type="pres">
-      <dgm:prSet presAssocID="{0623C114-C4BD-43DE-A668-58CEF82881E9}" presName="parTx" presStyleLbl="revTx" presStyleIdx="0" presStyleCnt="3">
+      <dgm:prSet presAssocID="{0623C114-C4BD-43DE-A668-58CEF82881E9}" presName="parTx" presStyleLbl="revTx" presStyleIdx="0" presStyleCnt="4">
         <dgm:presLayoutVars>
           <dgm:chMax val="0"/>
           <dgm:chPref val="0"/>
@@ -1090,11 +1167,11 @@
       <dgm:spPr/>
     </dgm:pt>
     <dgm:pt modelId="{9BFE5E32-6512-4CA1-889D-7CA16A4F7BFF}" type="pres">
-      <dgm:prSet presAssocID="{BA46DA5D-3C34-465D-BBBD-E9CBCD82E467}" presName="bgRect" presStyleLbl="bgShp" presStyleIdx="1" presStyleCnt="3"/>
+      <dgm:prSet presAssocID="{BA46DA5D-3C34-465D-BBBD-E9CBCD82E467}" presName="bgRect" presStyleLbl="bgShp" presStyleIdx="1" presStyleCnt="4"/>
       <dgm:spPr/>
     </dgm:pt>
     <dgm:pt modelId="{44F3F960-B586-4E7E-A760-99A00809AC1D}" type="pres">
-      <dgm:prSet presAssocID="{BA46DA5D-3C34-465D-BBBD-E9CBCD82E467}" presName="iconRect" presStyleLbl="node1" presStyleIdx="1" presStyleCnt="3"/>
+      <dgm:prSet presAssocID="{BA46DA5D-3C34-465D-BBBD-E9CBCD82E467}" presName="iconRect" presStyleLbl="node1" presStyleIdx="1" presStyleCnt="4"/>
       <dgm:spPr>
         <a:blipFill>
           <a:blip xmlns:r="http://schemas.openxmlformats.org/officeDocument/2006/relationships" r:embed="rId3">
@@ -1123,7 +1200,7 @@
       <dgm:spPr/>
     </dgm:pt>
     <dgm:pt modelId="{DFF523CC-9DDD-4CC2-98C8-D2E1480883C3}" type="pres">
-      <dgm:prSet presAssocID="{BA46DA5D-3C34-465D-BBBD-E9CBCD82E467}" presName="parTx" presStyleLbl="revTx" presStyleIdx="1" presStyleCnt="3">
+      <dgm:prSet presAssocID="{BA46DA5D-3C34-465D-BBBD-E9CBCD82E467}" presName="parTx" presStyleLbl="revTx" presStyleIdx="1" presStyleCnt="4">
         <dgm:presLayoutVars>
           <dgm:chMax val="0"/>
           <dgm:chPref val="0"/>
@@ -1140,11 +1217,11 @@
       <dgm:spPr/>
     </dgm:pt>
     <dgm:pt modelId="{C7265219-35A7-46B7-A8E2-9CC513D5EE82}" type="pres">
-      <dgm:prSet presAssocID="{12C60F0C-8E74-4BC9-AF77-578FBDE6A837}" presName="bgRect" presStyleLbl="bgShp" presStyleIdx="2" presStyleCnt="3"/>
+      <dgm:prSet presAssocID="{12C60F0C-8E74-4BC9-AF77-578FBDE6A837}" presName="bgRect" presStyleLbl="bgShp" presStyleIdx="2" presStyleCnt="4"/>
       <dgm:spPr/>
     </dgm:pt>
     <dgm:pt modelId="{5455B9C2-0150-4859-943C-493CFA632515}" type="pres">
-      <dgm:prSet presAssocID="{12C60F0C-8E74-4BC9-AF77-578FBDE6A837}" presName="iconRect" presStyleLbl="node1" presStyleIdx="2" presStyleCnt="3"/>
+      <dgm:prSet presAssocID="{12C60F0C-8E74-4BC9-AF77-578FBDE6A837}" presName="iconRect" presStyleLbl="node1" presStyleIdx="2" presStyleCnt="4"/>
       <dgm:spPr>
         <a:blipFill>
           <a:blip xmlns:r="http://schemas.openxmlformats.org/officeDocument/2006/relationships" r:embed="rId5">
@@ -1173,7 +1250,55 @@
       <dgm:spPr/>
     </dgm:pt>
     <dgm:pt modelId="{C51A4A79-71DE-4F17-A509-D258FBA740B1}" type="pres">
-      <dgm:prSet presAssocID="{12C60F0C-8E74-4BC9-AF77-578FBDE6A837}" presName="parTx" presStyleLbl="revTx" presStyleIdx="2" presStyleCnt="3">
+      <dgm:prSet presAssocID="{12C60F0C-8E74-4BC9-AF77-578FBDE6A837}" presName="parTx" presStyleLbl="revTx" presStyleIdx="2" presStyleCnt="4">
+        <dgm:presLayoutVars>
+          <dgm:chMax val="0"/>
+          <dgm:chPref val="0"/>
+        </dgm:presLayoutVars>
+      </dgm:prSet>
+      <dgm:spPr/>
+    </dgm:pt>
+    <dgm:pt modelId="{868C0C2D-C98C-44A2-86CA-BD81F24B84B2}" type="pres">
+      <dgm:prSet presAssocID="{7ECF11B3-4B74-4842-A806-F8BA4FF27C3C}" presName="sibTrans" presStyleCnt="0"/>
+      <dgm:spPr/>
+    </dgm:pt>
+    <dgm:pt modelId="{2E7DD2AE-FEE3-4A5F-8D02-B35755F497E0}" type="pres">
+      <dgm:prSet presAssocID="{61D60918-B677-465C-8D98-B803171B6020}" presName="compNode" presStyleCnt="0"/>
+      <dgm:spPr/>
+    </dgm:pt>
+    <dgm:pt modelId="{4045AE1B-E564-446F-8BD0-E108340A0D92}" type="pres">
+      <dgm:prSet presAssocID="{61D60918-B677-465C-8D98-B803171B6020}" presName="bgRect" presStyleLbl="bgShp" presStyleIdx="3" presStyleCnt="4"/>
+      <dgm:spPr/>
+    </dgm:pt>
+    <dgm:pt modelId="{52753B02-5B31-464F-9610-E28EDE085EDF}" type="pres">
+      <dgm:prSet presAssocID="{61D60918-B677-465C-8D98-B803171B6020}" presName="iconRect" presStyleLbl="node1" presStyleIdx="3" presStyleCnt="4"/>
+      <dgm:spPr>
+        <a:blipFill>
+          <a:blip xmlns:r="http://schemas.openxmlformats.org/officeDocument/2006/relationships" r:embed="rId7">
+            <a:extLst>
+              <a:ext uri="{96DAC541-7B7A-43D3-8B79-37D633B846F1}">
+                <asvg:svgBlip xmlns:asvg="http://schemas.microsoft.com/office/drawing/2016/SVG/main" r:embed="rId8"/>
+              </a:ext>
+            </a:extLst>
+          </a:blip>
+          <a:srcRect/>
+          <a:stretch>
+            <a:fillRect/>
+          </a:stretch>
+        </a:blipFill>
+      </dgm:spPr>
+      <dgm:extLst>
+        <a:ext uri="{E40237B7-FDA0-4F09-8148-C483321AD2D9}">
+          <dgm14:cNvPr xmlns:dgm14="http://schemas.microsoft.com/office/drawing/2010/diagram" id="0" name="" descr="Hozzáadás egyszínű kitöltéssel"/>
+        </a:ext>
+      </dgm:extLst>
+    </dgm:pt>
+    <dgm:pt modelId="{4482F3FC-3B63-4E75-8586-78D7AE1B5083}" type="pres">
+      <dgm:prSet presAssocID="{61D60918-B677-465C-8D98-B803171B6020}" presName="spaceRect" presStyleCnt="0"/>
+      <dgm:spPr/>
+    </dgm:pt>
+    <dgm:pt modelId="{ED0BDCC4-91FE-4E66-9A48-738C11274A57}" type="pres">
+      <dgm:prSet presAssocID="{61D60918-B677-465C-8D98-B803171B6020}" presName="parTx" presStyleLbl="revTx" presStyleIdx="3" presStyleCnt="4">
         <dgm:presLayoutVars>
           <dgm:chMax val="0"/>
           <dgm:chPref val="0"/>
@@ -1183,30 +1308,38 @@
     </dgm:pt>
   </dgm:ptLst>
   <dgm:cxnLst>
-    <dgm:cxn modelId="{06842E41-A4EF-4EAC-9A42-1B516FAF4757}" type="presOf" srcId="{5FE432FD-2826-41FE-BCFB-86F54B838979}" destId="{3B411D1E-FBE2-450C-BFC3-74A0A8C4A537}" srcOrd="0" destOrd="0" presId="urn:microsoft.com/office/officeart/2018/2/layout/IconVerticalSolidList"/>
+    <dgm:cxn modelId="{C4D00312-20C0-4E2A-B7A1-AFE19C85F5B2}" type="presOf" srcId="{0623C114-C4BD-43DE-A668-58CEF82881E9}" destId="{D78D05BD-3716-41BB-94F1-3B2093681288}" srcOrd="0" destOrd="0" presId="urn:microsoft.com/office/officeart/2018/2/layout/IconVerticalSolidList"/>
+    <dgm:cxn modelId="{5A34411A-4FC0-4688-BC83-8C550206318F}" type="presOf" srcId="{12C60F0C-8E74-4BC9-AF77-578FBDE6A837}" destId="{C51A4A79-71DE-4F17-A509-D258FBA740B1}" srcOrd="0" destOrd="0" presId="urn:microsoft.com/office/officeart/2018/2/layout/IconVerticalSolidList"/>
+    <dgm:cxn modelId="{53DF705C-A4D5-44F0-BAEA-72837E826A03}" type="presOf" srcId="{61D60918-B677-465C-8D98-B803171B6020}" destId="{ED0BDCC4-91FE-4E66-9A48-738C11274A57}" srcOrd="0" destOrd="0" presId="urn:microsoft.com/office/officeart/2018/2/layout/IconVerticalSolidList"/>
     <dgm:cxn modelId="{8EDF5945-2493-4B8C-BB59-516E406CA69B}" srcId="{5FE432FD-2826-41FE-BCFB-86F54B838979}" destId="{12C60F0C-8E74-4BC9-AF77-578FBDE6A837}" srcOrd="2" destOrd="0" parTransId="{D084446E-256D-4E8A-A600-2A43528843A8}" sibTransId="{7ECF11B3-4B74-4842-A806-F8BA4FF27C3C}"/>
-    <dgm:cxn modelId="{6711A74D-5F89-45B2-909D-3FB20B10EAE0}" type="presOf" srcId="{0623C114-C4BD-43DE-A668-58CEF82881E9}" destId="{D78D05BD-3716-41BB-94F1-3B2093681288}" srcOrd="0" destOrd="0" presId="urn:microsoft.com/office/officeart/2018/2/layout/IconVerticalSolidList"/>
-    <dgm:cxn modelId="{1A03375A-3EE6-4DD2-9D35-DFC438C1C5A5}" type="presOf" srcId="{BA46DA5D-3C34-465D-BBBD-E9CBCD82E467}" destId="{DFF523CC-9DDD-4CC2-98C8-D2E1480883C3}" srcOrd="0" destOrd="0" presId="urn:microsoft.com/office/officeart/2018/2/layout/IconVerticalSolidList"/>
+    <dgm:cxn modelId="{52DD5868-9505-4168-92A2-2D261F613BB6}" type="presOf" srcId="{BA46DA5D-3C34-465D-BBBD-E9CBCD82E467}" destId="{DFF523CC-9DDD-4CC2-98C8-D2E1480883C3}" srcOrd="0" destOrd="0" presId="urn:microsoft.com/office/officeart/2018/2/layout/IconVerticalSolidList"/>
+    <dgm:cxn modelId="{6AC8764C-FE42-40B2-AC01-F6B98DFAFCAB}" type="presOf" srcId="{5FE432FD-2826-41FE-BCFB-86F54B838979}" destId="{3B411D1E-FBE2-450C-BFC3-74A0A8C4A537}" srcOrd="0" destOrd="0" presId="urn:microsoft.com/office/officeart/2018/2/layout/IconVerticalSolidList"/>
+    <dgm:cxn modelId="{1EEE3F55-3AE6-4F73-B890-13643130D6DC}" srcId="{5FE432FD-2826-41FE-BCFB-86F54B838979}" destId="{61D60918-B677-465C-8D98-B803171B6020}" srcOrd="3" destOrd="0" parTransId="{1E2E2E2A-1380-484C-AA13-D811E795055F}" sibTransId="{20DAC1B1-9FD6-420D-9DC4-4A66D2CEAEBC}"/>
     <dgm:cxn modelId="{0D86EAB7-14B8-434A-BA68-99E684AE265E}" srcId="{5FE432FD-2826-41FE-BCFB-86F54B838979}" destId="{0623C114-C4BD-43DE-A668-58CEF82881E9}" srcOrd="0" destOrd="0" parTransId="{79A46060-BAA8-404A-A282-5E0D2370881D}" sibTransId="{457CFC27-C935-4088-963D-B1967C2FAEE6}"/>
-    <dgm:cxn modelId="{85893BB9-E880-4FAA-A540-1685031E6069}" type="presOf" srcId="{12C60F0C-8E74-4BC9-AF77-578FBDE6A837}" destId="{C51A4A79-71DE-4F17-A509-D258FBA740B1}" srcOrd="0" destOrd="0" presId="urn:microsoft.com/office/officeart/2018/2/layout/IconVerticalSolidList"/>
     <dgm:cxn modelId="{86B19DCA-6C00-4B9A-8045-6EE42F9D1D99}" srcId="{5FE432FD-2826-41FE-BCFB-86F54B838979}" destId="{BA46DA5D-3C34-465D-BBBD-E9CBCD82E467}" srcOrd="1" destOrd="0" parTransId="{7A5D49A2-E94D-4D77-B8CE-E189FBF761EF}" sibTransId="{0A76B5C8-D3EA-400E-86B8-C0750F06CD24}"/>
-    <dgm:cxn modelId="{B863D339-E1D1-498B-9A37-362170B67ACA}" type="presParOf" srcId="{3B411D1E-FBE2-450C-BFC3-74A0A8C4A537}" destId="{A4E051C0-5506-4AD9-ABB1-BD732A577C49}" srcOrd="0" destOrd="0" presId="urn:microsoft.com/office/officeart/2018/2/layout/IconVerticalSolidList"/>
-    <dgm:cxn modelId="{3E80F345-5183-4B81-9C60-F88EE048ED28}" type="presParOf" srcId="{A4E051C0-5506-4AD9-ABB1-BD732A577C49}" destId="{3C03ABDF-1706-43EB-9C23-C63CCF69702A}" srcOrd="0" destOrd="0" presId="urn:microsoft.com/office/officeart/2018/2/layout/IconVerticalSolidList"/>
-    <dgm:cxn modelId="{3F750B19-B9CC-4A84-A7AE-A1FB82EAFA7E}" type="presParOf" srcId="{A4E051C0-5506-4AD9-ABB1-BD732A577C49}" destId="{421B56CD-4EE3-426E-9FA4-5E0AB947D164}" srcOrd="1" destOrd="0" presId="urn:microsoft.com/office/officeart/2018/2/layout/IconVerticalSolidList"/>
-    <dgm:cxn modelId="{B922308A-5865-4F4F-9D35-5557084D1293}" type="presParOf" srcId="{A4E051C0-5506-4AD9-ABB1-BD732A577C49}" destId="{8B395725-F151-42E7-BA14-2ED73BD42712}" srcOrd="2" destOrd="0" presId="urn:microsoft.com/office/officeart/2018/2/layout/IconVerticalSolidList"/>
-    <dgm:cxn modelId="{23CF40C2-13C5-4225-90A9-E8C1BB34D75A}" type="presParOf" srcId="{A4E051C0-5506-4AD9-ABB1-BD732A577C49}" destId="{D78D05BD-3716-41BB-94F1-3B2093681288}" srcOrd="3" destOrd="0" presId="urn:microsoft.com/office/officeart/2018/2/layout/IconVerticalSolidList"/>
-    <dgm:cxn modelId="{C20993B7-2176-43A1-B655-8625C6A87DE3}" type="presParOf" srcId="{3B411D1E-FBE2-450C-BFC3-74A0A8C4A537}" destId="{6497B39B-7CEE-4CC0-B537-44A098535634}" srcOrd="1" destOrd="0" presId="urn:microsoft.com/office/officeart/2018/2/layout/IconVerticalSolidList"/>
-    <dgm:cxn modelId="{AC843056-7EC5-4346-A121-F1D45423ED75}" type="presParOf" srcId="{3B411D1E-FBE2-450C-BFC3-74A0A8C4A537}" destId="{A6AFE997-F4B1-4989-8CEF-7C2B488F8092}" srcOrd="2" destOrd="0" presId="urn:microsoft.com/office/officeart/2018/2/layout/IconVerticalSolidList"/>
-    <dgm:cxn modelId="{068751B3-47DB-4F74-81EE-BE8DE9BBD1B1}" type="presParOf" srcId="{A6AFE997-F4B1-4989-8CEF-7C2B488F8092}" destId="{9BFE5E32-6512-4CA1-889D-7CA16A4F7BFF}" srcOrd="0" destOrd="0" presId="urn:microsoft.com/office/officeart/2018/2/layout/IconVerticalSolidList"/>
-    <dgm:cxn modelId="{01A45716-2C73-4381-938A-0DF1C82CA5CF}" type="presParOf" srcId="{A6AFE997-F4B1-4989-8CEF-7C2B488F8092}" destId="{44F3F960-B586-4E7E-A760-99A00809AC1D}" srcOrd="1" destOrd="0" presId="urn:microsoft.com/office/officeart/2018/2/layout/IconVerticalSolidList"/>
-    <dgm:cxn modelId="{1CE043FB-5689-4375-A27F-BED841420879}" type="presParOf" srcId="{A6AFE997-F4B1-4989-8CEF-7C2B488F8092}" destId="{455FBE06-B526-4247-997F-F53EB2B611BB}" srcOrd="2" destOrd="0" presId="urn:microsoft.com/office/officeart/2018/2/layout/IconVerticalSolidList"/>
-    <dgm:cxn modelId="{7F338B23-B4C1-4F1F-BAC8-A6F9B02285BE}" type="presParOf" srcId="{A6AFE997-F4B1-4989-8CEF-7C2B488F8092}" destId="{DFF523CC-9DDD-4CC2-98C8-D2E1480883C3}" srcOrd="3" destOrd="0" presId="urn:microsoft.com/office/officeart/2018/2/layout/IconVerticalSolidList"/>
-    <dgm:cxn modelId="{5C6520FC-94EC-45CD-8727-4AEC912461A7}" type="presParOf" srcId="{3B411D1E-FBE2-450C-BFC3-74A0A8C4A537}" destId="{FB93F32B-2630-4D8D-8380-F6C1EEF50D9E}" srcOrd="3" destOrd="0" presId="urn:microsoft.com/office/officeart/2018/2/layout/IconVerticalSolidList"/>
-    <dgm:cxn modelId="{42207525-6AD6-4FF8-8C55-3593F72158A2}" type="presParOf" srcId="{3B411D1E-FBE2-450C-BFC3-74A0A8C4A537}" destId="{BFBF69DF-0E2C-467D-9289-D4433CBBA12C}" srcOrd="4" destOrd="0" presId="urn:microsoft.com/office/officeart/2018/2/layout/IconVerticalSolidList"/>
-    <dgm:cxn modelId="{9E72C53B-B2B4-4355-BF72-73AD4E35D829}" type="presParOf" srcId="{BFBF69DF-0E2C-467D-9289-D4433CBBA12C}" destId="{C7265219-35A7-46B7-A8E2-9CC513D5EE82}" srcOrd="0" destOrd="0" presId="urn:microsoft.com/office/officeart/2018/2/layout/IconVerticalSolidList"/>
-    <dgm:cxn modelId="{25A03D96-BE5B-483B-B262-697EDFBC1274}" type="presParOf" srcId="{BFBF69DF-0E2C-467D-9289-D4433CBBA12C}" destId="{5455B9C2-0150-4859-943C-493CFA632515}" srcOrd="1" destOrd="0" presId="urn:microsoft.com/office/officeart/2018/2/layout/IconVerticalSolidList"/>
-    <dgm:cxn modelId="{CE6067F0-FB0D-4DC6-A7A5-CA877565E38F}" type="presParOf" srcId="{BFBF69DF-0E2C-467D-9289-D4433CBBA12C}" destId="{31F4E9D4-D2C6-4F1F-B5DD-134FF0628349}" srcOrd="2" destOrd="0" presId="urn:microsoft.com/office/officeart/2018/2/layout/IconVerticalSolidList"/>
-    <dgm:cxn modelId="{69F6BC92-7116-4A7B-9D73-93F5735D48C1}" type="presParOf" srcId="{BFBF69DF-0E2C-467D-9289-D4433CBBA12C}" destId="{C51A4A79-71DE-4F17-A509-D258FBA740B1}" srcOrd="3" destOrd="0" presId="urn:microsoft.com/office/officeart/2018/2/layout/IconVerticalSolidList"/>
+    <dgm:cxn modelId="{63B877CA-815E-4D08-A162-4DDA8CF04E5E}" type="presParOf" srcId="{3B411D1E-FBE2-450C-BFC3-74A0A8C4A537}" destId="{A4E051C0-5506-4AD9-ABB1-BD732A577C49}" srcOrd="0" destOrd="0" presId="urn:microsoft.com/office/officeart/2018/2/layout/IconVerticalSolidList"/>
+    <dgm:cxn modelId="{01CC74B4-D03E-46E8-9095-B3057725C63C}" type="presParOf" srcId="{A4E051C0-5506-4AD9-ABB1-BD732A577C49}" destId="{3C03ABDF-1706-43EB-9C23-C63CCF69702A}" srcOrd="0" destOrd="0" presId="urn:microsoft.com/office/officeart/2018/2/layout/IconVerticalSolidList"/>
+    <dgm:cxn modelId="{9383F774-CAB0-4E05-9872-055E0F929D45}" type="presParOf" srcId="{A4E051C0-5506-4AD9-ABB1-BD732A577C49}" destId="{421B56CD-4EE3-426E-9FA4-5E0AB947D164}" srcOrd="1" destOrd="0" presId="urn:microsoft.com/office/officeart/2018/2/layout/IconVerticalSolidList"/>
+    <dgm:cxn modelId="{7FA3DE68-FC0E-4B0C-80D9-D1465273B866}" type="presParOf" srcId="{A4E051C0-5506-4AD9-ABB1-BD732A577C49}" destId="{8B395725-F151-42E7-BA14-2ED73BD42712}" srcOrd="2" destOrd="0" presId="urn:microsoft.com/office/officeart/2018/2/layout/IconVerticalSolidList"/>
+    <dgm:cxn modelId="{5B8D0208-FC0F-48F2-9615-60FAEC182FA3}" type="presParOf" srcId="{A4E051C0-5506-4AD9-ABB1-BD732A577C49}" destId="{D78D05BD-3716-41BB-94F1-3B2093681288}" srcOrd="3" destOrd="0" presId="urn:microsoft.com/office/officeart/2018/2/layout/IconVerticalSolidList"/>
+    <dgm:cxn modelId="{5515717C-1125-4262-8BF6-564BC9CC02CB}" type="presParOf" srcId="{3B411D1E-FBE2-450C-BFC3-74A0A8C4A537}" destId="{6497B39B-7CEE-4CC0-B537-44A098535634}" srcOrd="1" destOrd="0" presId="urn:microsoft.com/office/officeart/2018/2/layout/IconVerticalSolidList"/>
+    <dgm:cxn modelId="{C84F0E65-325C-4184-8404-AFCB41AFFC2F}" type="presParOf" srcId="{3B411D1E-FBE2-450C-BFC3-74A0A8C4A537}" destId="{A6AFE997-F4B1-4989-8CEF-7C2B488F8092}" srcOrd="2" destOrd="0" presId="urn:microsoft.com/office/officeart/2018/2/layout/IconVerticalSolidList"/>
+    <dgm:cxn modelId="{AE4D1937-1D1D-45CA-AFDE-6F224F7DB374}" type="presParOf" srcId="{A6AFE997-F4B1-4989-8CEF-7C2B488F8092}" destId="{9BFE5E32-6512-4CA1-889D-7CA16A4F7BFF}" srcOrd="0" destOrd="0" presId="urn:microsoft.com/office/officeart/2018/2/layout/IconVerticalSolidList"/>
+    <dgm:cxn modelId="{56A3EFF5-49F3-4669-8EEB-2FB74B9F417F}" type="presParOf" srcId="{A6AFE997-F4B1-4989-8CEF-7C2B488F8092}" destId="{44F3F960-B586-4E7E-A760-99A00809AC1D}" srcOrd="1" destOrd="0" presId="urn:microsoft.com/office/officeart/2018/2/layout/IconVerticalSolidList"/>
+    <dgm:cxn modelId="{241021F3-5B54-4EE9-A3F1-ABBE2420FDB3}" type="presParOf" srcId="{A6AFE997-F4B1-4989-8CEF-7C2B488F8092}" destId="{455FBE06-B526-4247-997F-F53EB2B611BB}" srcOrd="2" destOrd="0" presId="urn:microsoft.com/office/officeart/2018/2/layout/IconVerticalSolidList"/>
+    <dgm:cxn modelId="{6B39BF48-6054-4BE3-A1FF-F30587C231DC}" type="presParOf" srcId="{A6AFE997-F4B1-4989-8CEF-7C2B488F8092}" destId="{DFF523CC-9DDD-4CC2-98C8-D2E1480883C3}" srcOrd="3" destOrd="0" presId="urn:microsoft.com/office/officeart/2018/2/layout/IconVerticalSolidList"/>
+    <dgm:cxn modelId="{7FE16C84-E5B3-4294-99A4-F859D9C44E71}" type="presParOf" srcId="{3B411D1E-FBE2-450C-BFC3-74A0A8C4A537}" destId="{FB93F32B-2630-4D8D-8380-F6C1EEF50D9E}" srcOrd="3" destOrd="0" presId="urn:microsoft.com/office/officeart/2018/2/layout/IconVerticalSolidList"/>
+    <dgm:cxn modelId="{777DA900-D580-44A7-9171-B9D810D65158}" type="presParOf" srcId="{3B411D1E-FBE2-450C-BFC3-74A0A8C4A537}" destId="{BFBF69DF-0E2C-467D-9289-D4433CBBA12C}" srcOrd="4" destOrd="0" presId="urn:microsoft.com/office/officeart/2018/2/layout/IconVerticalSolidList"/>
+    <dgm:cxn modelId="{0FE49BEC-7586-4851-909C-4BD4827E4ECC}" type="presParOf" srcId="{BFBF69DF-0E2C-467D-9289-D4433CBBA12C}" destId="{C7265219-35A7-46B7-A8E2-9CC513D5EE82}" srcOrd="0" destOrd="0" presId="urn:microsoft.com/office/officeart/2018/2/layout/IconVerticalSolidList"/>
+    <dgm:cxn modelId="{4688CD92-4C76-4BD5-9A2F-A472FB1A02A4}" type="presParOf" srcId="{BFBF69DF-0E2C-467D-9289-D4433CBBA12C}" destId="{5455B9C2-0150-4859-943C-493CFA632515}" srcOrd="1" destOrd="0" presId="urn:microsoft.com/office/officeart/2018/2/layout/IconVerticalSolidList"/>
+    <dgm:cxn modelId="{B8C6E4BC-7892-4276-B6E0-36B354ACF7F0}" type="presParOf" srcId="{BFBF69DF-0E2C-467D-9289-D4433CBBA12C}" destId="{31F4E9D4-D2C6-4F1F-B5DD-134FF0628349}" srcOrd="2" destOrd="0" presId="urn:microsoft.com/office/officeart/2018/2/layout/IconVerticalSolidList"/>
+    <dgm:cxn modelId="{336CDAED-ED7F-4089-9EBA-9BCCE00104E6}" type="presParOf" srcId="{BFBF69DF-0E2C-467D-9289-D4433CBBA12C}" destId="{C51A4A79-71DE-4F17-A509-D258FBA740B1}" srcOrd="3" destOrd="0" presId="urn:microsoft.com/office/officeart/2018/2/layout/IconVerticalSolidList"/>
+    <dgm:cxn modelId="{7CD21745-9645-4ABC-8AE2-44A75F6C4A43}" type="presParOf" srcId="{3B411D1E-FBE2-450C-BFC3-74A0A8C4A537}" destId="{868C0C2D-C98C-44A2-86CA-BD81F24B84B2}" srcOrd="5" destOrd="0" presId="urn:microsoft.com/office/officeart/2018/2/layout/IconVerticalSolidList"/>
+    <dgm:cxn modelId="{AA62852C-83B1-4AFA-B6F3-9A9BB9906020}" type="presParOf" srcId="{3B411D1E-FBE2-450C-BFC3-74A0A8C4A537}" destId="{2E7DD2AE-FEE3-4A5F-8D02-B35755F497E0}" srcOrd="6" destOrd="0" presId="urn:microsoft.com/office/officeart/2018/2/layout/IconVerticalSolidList"/>
+    <dgm:cxn modelId="{3BE6B1D3-9890-4AF7-8CC5-EF0105E6D18B}" type="presParOf" srcId="{2E7DD2AE-FEE3-4A5F-8D02-B35755F497E0}" destId="{4045AE1B-E564-446F-8BD0-E108340A0D92}" srcOrd="0" destOrd="0" presId="urn:microsoft.com/office/officeart/2018/2/layout/IconVerticalSolidList"/>
+    <dgm:cxn modelId="{4F52C21F-73ED-4965-95CA-09B999BE9D21}" type="presParOf" srcId="{2E7DD2AE-FEE3-4A5F-8D02-B35755F497E0}" destId="{52753B02-5B31-464F-9610-E28EDE085EDF}" srcOrd="1" destOrd="0" presId="urn:microsoft.com/office/officeart/2018/2/layout/IconVerticalSolidList"/>
+    <dgm:cxn modelId="{838AD43D-6B26-43A5-8101-FB7B6F2C2B3D}" type="presParOf" srcId="{2E7DD2AE-FEE3-4A5F-8D02-B35755F497E0}" destId="{4482F3FC-3B63-4E75-8586-78D7AE1B5083}" srcOrd="2" destOrd="0" presId="urn:microsoft.com/office/officeart/2018/2/layout/IconVerticalSolidList"/>
+    <dgm:cxn modelId="{C75D0DEF-E85D-420A-BA68-A6AA5DE1AEC7}" type="presParOf" srcId="{2E7DD2AE-FEE3-4A5F-8D02-B35755F497E0}" destId="{ED0BDCC4-91FE-4E66-9A48-738C11274A57}" srcOrd="3" destOrd="0" presId="urn:microsoft.com/office/officeart/2018/2/layout/IconVerticalSolidList"/>
   </dgm:cxnLst>
   <dgm:bg/>
   <dgm:whole/>
@@ -1233,8 +1366,8 @@
       </dsp:nvSpPr>
       <dsp:spPr>
         <a:xfrm>
-          <a:off x="0" y="449"/>
-          <a:ext cx="9724031" cy="1052131"/>
+          <a:off x="0" y="1528"/>
+          <a:ext cx="9724031" cy="774800"/>
         </a:xfrm>
         <a:prstGeom prst="roundRect">
           <a:avLst>
@@ -1275,8 +1408,8 @@
       </dsp:nvSpPr>
       <dsp:spPr>
         <a:xfrm>
-          <a:off x="318269" y="237179"/>
-          <a:ext cx="578672" cy="578672"/>
+          <a:off x="234377" y="175858"/>
+          <a:ext cx="426140" cy="426140"/>
         </a:xfrm>
         <a:prstGeom prst="rect">
           <a:avLst/>
@@ -1332,8 +1465,8 @@
       </dsp:nvSpPr>
       <dsp:spPr>
         <a:xfrm>
-          <a:off x="1215211" y="449"/>
-          <a:ext cx="8508819" cy="1052131"/>
+          <a:off x="894894" y="1528"/>
+          <a:ext cx="8829136" cy="774800"/>
         </a:xfrm>
         <a:prstGeom prst="rect">
           <a:avLst/>
@@ -1357,12 +1490,12 @@
         <a:fontRef idx="minor"/>
       </dsp:style>
       <dsp:txBody>
-        <a:bodyPr spcFirstLastPara="0" vert="horz" wrap="square" lIns="111351" tIns="111351" rIns="111351" bIns="111351" numCol="1" spcCol="1270" anchor="ctr" anchorCtr="0">
+        <a:bodyPr spcFirstLastPara="0" vert="horz" wrap="square" lIns="82000" tIns="82000" rIns="82000" bIns="82000" numCol="1" spcCol="1270" anchor="ctr" anchorCtr="0">
           <a:noAutofit/>
         </a:bodyPr>
         <a:lstStyle/>
         <a:p>
-          <a:pPr marL="0" lvl="0" indent="0" algn="l" defTabSz="1111250">
+          <a:pPr marL="0" lvl="0" indent="0" algn="l" defTabSz="977900">
             <a:lnSpc>
               <a:spcPct val="100000"/>
             </a:lnSpc>
@@ -1375,30 +1508,15 @@
             <a:buNone/>
           </a:pPr>
           <a:r>
-            <a:rPr lang="hu-HU" sz="2500" kern="1200" noProof="0" dirty="0"/>
-            <a:t>“</a:t>
+            <a:rPr lang="hu-HU" sz="2200" kern="1200" noProof="0"/>
+            <a:t>“Distributed Version Control” szoftver</a:t>
           </a:r>
-          <a:r>
-            <a:rPr lang="hu-HU" sz="2500" kern="1200" noProof="0" dirty="0" err="1"/>
-            <a:t>Distributed</a:t>
-          </a:r>
-          <a:r>
-            <a:rPr lang="hu-HU" sz="2500" kern="1200" noProof="0" dirty="0"/>
-            <a:t> Version </a:t>
-          </a:r>
-          <a:r>
-            <a:rPr lang="hu-HU" sz="2500" kern="1200" noProof="0" dirty="0" err="1"/>
-            <a:t>Control</a:t>
-          </a:r>
-          <a:r>
-            <a:rPr lang="hu-HU" sz="2500" kern="1200" noProof="0" dirty="0"/>
-            <a:t>” szoftver</a:t>
-          </a:r>
+          <a:endParaRPr lang="hu-HU" sz="2200" kern="1200" noProof="0" dirty="0"/>
         </a:p>
       </dsp:txBody>
       <dsp:txXfrm>
-        <a:off x="1215211" y="449"/>
-        <a:ext cx="8508819" cy="1052131"/>
+        <a:off x="894894" y="1528"/>
+        <a:ext cx="8829136" cy="774800"/>
       </dsp:txXfrm>
     </dsp:sp>
     <dsp:sp modelId="{9BFE5E32-6512-4CA1-889D-7CA16A4F7BFF}">
@@ -1408,8 +1526,8 @@
       </dsp:nvSpPr>
       <dsp:spPr>
         <a:xfrm>
-          <a:off x="0" y="1315613"/>
-          <a:ext cx="9724031" cy="1052131"/>
+          <a:off x="0" y="970028"/>
+          <a:ext cx="9724031" cy="774800"/>
         </a:xfrm>
         <a:prstGeom prst="roundRect">
           <a:avLst>
@@ -1450,8 +1568,8 @@
       </dsp:nvSpPr>
       <dsp:spPr>
         <a:xfrm>
-          <a:off x="318269" y="1552342"/>
-          <a:ext cx="578672" cy="578672"/>
+          <a:off x="234377" y="1144358"/>
+          <a:ext cx="426140" cy="426140"/>
         </a:xfrm>
         <a:prstGeom prst="rect">
           <a:avLst/>
@@ -1507,8 +1625,8 @@
       </dsp:nvSpPr>
       <dsp:spPr>
         <a:xfrm>
-          <a:off x="1215211" y="1315613"/>
-          <a:ext cx="8508819" cy="1052131"/>
+          <a:off x="894894" y="970028"/>
+          <a:ext cx="8829136" cy="774800"/>
         </a:xfrm>
         <a:prstGeom prst="rect">
           <a:avLst/>
@@ -1532,12 +1650,12 @@
         <a:fontRef idx="minor"/>
       </dsp:style>
       <dsp:txBody>
-        <a:bodyPr spcFirstLastPara="0" vert="horz" wrap="square" lIns="111351" tIns="111351" rIns="111351" bIns="111351" numCol="1" spcCol="1270" anchor="ctr" anchorCtr="0">
+        <a:bodyPr spcFirstLastPara="0" vert="horz" wrap="square" lIns="82000" tIns="82000" rIns="82000" bIns="82000" numCol="1" spcCol="1270" anchor="ctr" anchorCtr="0">
           <a:noAutofit/>
         </a:bodyPr>
         <a:lstStyle/>
         <a:p>
-          <a:pPr marL="0" lvl="0" indent="0" algn="l" defTabSz="1111250">
+          <a:pPr marL="0" lvl="0" indent="0" algn="l" defTabSz="977900">
             <a:lnSpc>
               <a:spcPct val="100000"/>
             </a:lnSpc>
@@ -1550,14 +1668,15 @@
             <a:buNone/>
           </a:pPr>
           <a:r>
-            <a:rPr lang="hu-HU" sz="2500" kern="1200" noProof="0" dirty="0"/>
+            <a:rPr lang="hu-HU" sz="2200" kern="1200" noProof="0"/>
             <a:t>CLI alkalmazás</a:t>
           </a:r>
+          <a:endParaRPr lang="hu-HU" sz="2200" kern="1200" noProof="0" dirty="0"/>
         </a:p>
       </dsp:txBody>
       <dsp:txXfrm>
-        <a:off x="1215211" y="1315613"/>
-        <a:ext cx="8508819" cy="1052131"/>
+        <a:off x="894894" y="970028"/>
+        <a:ext cx="8829136" cy="774800"/>
       </dsp:txXfrm>
     </dsp:sp>
     <dsp:sp modelId="{C7265219-35A7-46B7-A8E2-9CC513D5EE82}">
@@ -1567,8 +1686,8 @@
       </dsp:nvSpPr>
       <dsp:spPr>
         <a:xfrm>
-          <a:off x="0" y="2630777"/>
-          <a:ext cx="9724031" cy="1052131"/>
+          <a:off x="0" y="1938529"/>
+          <a:ext cx="9724031" cy="774800"/>
         </a:xfrm>
         <a:prstGeom prst="roundRect">
           <a:avLst>
@@ -1609,8 +1728,8 @@
       </dsp:nvSpPr>
       <dsp:spPr>
         <a:xfrm>
-          <a:off x="318269" y="2867506"/>
-          <a:ext cx="578672" cy="578672"/>
+          <a:off x="234377" y="2112859"/>
+          <a:ext cx="426140" cy="426140"/>
         </a:xfrm>
         <a:prstGeom prst="rect">
           <a:avLst/>
@@ -1666,8 +1785,8 @@
       </dsp:nvSpPr>
       <dsp:spPr>
         <a:xfrm>
-          <a:off x="1215211" y="2630777"/>
-          <a:ext cx="8508819" cy="1052131"/>
+          <a:off x="894894" y="1938529"/>
+          <a:ext cx="8829136" cy="774800"/>
         </a:xfrm>
         <a:prstGeom prst="rect">
           <a:avLst/>
@@ -1691,12 +1810,12 @@
         <a:fontRef idx="minor"/>
       </dsp:style>
       <dsp:txBody>
-        <a:bodyPr spcFirstLastPara="0" vert="horz" wrap="square" lIns="111351" tIns="111351" rIns="111351" bIns="111351" numCol="1" spcCol="1270" anchor="ctr" anchorCtr="0">
+        <a:bodyPr spcFirstLastPara="0" vert="horz" wrap="square" lIns="82000" tIns="82000" rIns="82000" bIns="82000" numCol="1" spcCol="1270" anchor="ctr" anchorCtr="0">
           <a:noAutofit/>
         </a:bodyPr>
         <a:lstStyle/>
         <a:p>
-          <a:pPr marL="0" lvl="0" indent="0" algn="l" defTabSz="1111250">
+          <a:pPr marL="0" lvl="0" indent="0" algn="l" defTabSz="977900">
             <a:lnSpc>
               <a:spcPct val="100000"/>
             </a:lnSpc>
@@ -1709,30 +1828,232 @@
             <a:buNone/>
           </a:pPr>
           <a:r>
-            <a:rPr lang="hu-HU" sz="2500" kern="1200" noProof="0" dirty="0"/>
+            <a:rPr lang="hu-HU" sz="2200" kern="1200" noProof="0" dirty="0"/>
             <a:t>A </a:t>
           </a:r>
           <a:r>
-            <a:rPr lang="hu-HU" sz="2500" kern="1200" noProof="0" dirty="0" err="1"/>
+            <a:rPr lang="hu-HU" sz="2200" kern="1200" noProof="0" dirty="0" err="1"/>
             <a:t>Github</a:t>
           </a:r>
           <a:r>
-            <a:rPr lang="hu-HU" sz="2500" kern="1200" noProof="0" dirty="0"/>
+            <a:rPr lang="hu-HU" sz="2200" kern="1200" noProof="0" dirty="0"/>
             <a:t> </a:t>
           </a:r>
           <a:r>
-            <a:rPr lang="hu-HU" sz="2500" kern="1200" noProof="0" dirty="0" err="1"/>
+            <a:rPr lang="hu-HU" sz="2200" kern="1200" noProof="0" dirty="0" err="1"/>
             <a:t>Desktop</a:t>
           </a:r>
           <a:r>
-            <a:rPr lang="hu-HU" sz="2500" kern="1200" noProof="0" dirty="0"/>
+            <a:rPr lang="hu-HU" sz="2200" kern="1200" noProof="0" dirty="0"/>
             <a:t> alapja</a:t>
           </a:r>
         </a:p>
       </dsp:txBody>
       <dsp:txXfrm>
-        <a:off x="1215211" y="2630777"/>
-        <a:ext cx="8508819" cy="1052131"/>
+        <a:off x="894894" y="1938529"/>
+        <a:ext cx="8829136" cy="774800"/>
+      </dsp:txXfrm>
+    </dsp:sp>
+    <dsp:sp modelId="{4045AE1B-E564-446F-8BD0-E108340A0D92}">
+      <dsp:nvSpPr>
+        <dsp:cNvPr id="0" name=""/>
+        <dsp:cNvSpPr/>
+      </dsp:nvSpPr>
+      <dsp:spPr>
+        <a:xfrm>
+          <a:off x="0" y="2907029"/>
+          <a:ext cx="9724031" cy="774800"/>
+        </a:xfrm>
+        <a:prstGeom prst="roundRect">
+          <a:avLst>
+            <a:gd name="adj" fmla="val 10000"/>
+          </a:avLst>
+        </a:prstGeom>
+        <a:solidFill>
+          <a:schemeClr val="accent1">
+            <a:tint val="40000"/>
+            <a:hueOff val="0"/>
+            <a:satOff val="0"/>
+            <a:lumOff val="0"/>
+            <a:alphaOff val="0"/>
+          </a:schemeClr>
+        </a:solidFill>
+        <a:ln>
+          <a:noFill/>
+        </a:ln>
+        <a:effectLst/>
+      </dsp:spPr>
+      <dsp:style>
+        <a:lnRef idx="0">
+          <a:scrgbClr r="0" g="0" b="0"/>
+        </a:lnRef>
+        <a:fillRef idx="1">
+          <a:scrgbClr r="0" g="0" b="0"/>
+        </a:fillRef>
+        <a:effectRef idx="0">
+          <a:scrgbClr r="0" g="0" b="0"/>
+        </a:effectRef>
+        <a:fontRef idx="minor"/>
+      </dsp:style>
+    </dsp:sp>
+    <dsp:sp modelId="{52753B02-5B31-464F-9610-E28EDE085EDF}">
+      <dsp:nvSpPr>
+        <dsp:cNvPr id="0" name=""/>
+        <dsp:cNvSpPr/>
+      </dsp:nvSpPr>
+      <dsp:spPr>
+        <a:xfrm>
+          <a:off x="234377" y="3081359"/>
+          <a:ext cx="426140" cy="426140"/>
+        </a:xfrm>
+        <a:prstGeom prst="rect">
+          <a:avLst/>
+        </a:prstGeom>
+        <a:blipFill>
+          <a:blip xmlns:r="http://schemas.openxmlformats.org/officeDocument/2006/relationships" r:embed="rId7">
+            <a:extLst>
+              <a:ext uri="{96DAC541-7B7A-43D3-8B79-37D633B846F1}">
+                <asvg:svgBlip xmlns:asvg="http://schemas.microsoft.com/office/drawing/2016/SVG/main" r:embed="rId8"/>
+              </a:ext>
+            </a:extLst>
+          </a:blip>
+          <a:srcRect/>
+          <a:stretch>
+            <a:fillRect/>
+          </a:stretch>
+        </a:blipFill>
+        <a:ln w="19050" cap="flat" cmpd="sng" algn="ctr">
+          <a:solidFill>
+            <a:schemeClr val="lt1">
+              <a:hueOff val="0"/>
+              <a:satOff val="0"/>
+              <a:lumOff val="0"/>
+              <a:alphaOff val="0"/>
+            </a:schemeClr>
+          </a:solidFill>
+          <a:prstDash val="solid"/>
+          <a:miter lim="800000"/>
+        </a:ln>
+        <a:effectLst/>
+      </dsp:spPr>
+      <dsp:style>
+        <a:lnRef idx="2">
+          <a:scrgbClr r="0" g="0" b="0"/>
+        </a:lnRef>
+        <a:fillRef idx="1">
+          <a:scrgbClr r="0" g="0" b="0"/>
+        </a:fillRef>
+        <a:effectRef idx="0">
+          <a:scrgbClr r="0" g="0" b="0"/>
+        </a:effectRef>
+        <a:fontRef idx="minor">
+          <a:schemeClr val="lt1"/>
+        </a:fontRef>
+      </dsp:style>
+    </dsp:sp>
+    <dsp:sp modelId="{ED0BDCC4-91FE-4E66-9A48-738C11274A57}">
+      <dsp:nvSpPr>
+        <dsp:cNvPr id="0" name=""/>
+        <dsp:cNvSpPr/>
+      </dsp:nvSpPr>
+      <dsp:spPr>
+        <a:xfrm>
+          <a:off x="894894" y="2907029"/>
+          <a:ext cx="8829136" cy="774800"/>
+        </a:xfrm>
+        <a:prstGeom prst="rect">
+          <a:avLst/>
+        </a:prstGeom>
+        <a:noFill/>
+        <a:ln>
+          <a:noFill/>
+        </a:ln>
+        <a:effectLst/>
+      </dsp:spPr>
+      <dsp:style>
+        <a:lnRef idx="0">
+          <a:scrgbClr r="0" g="0" b="0"/>
+        </a:lnRef>
+        <a:fillRef idx="0">
+          <a:scrgbClr r="0" g="0" b="0"/>
+        </a:fillRef>
+        <a:effectRef idx="0">
+          <a:scrgbClr r="0" g="0" b="0"/>
+        </a:effectRef>
+        <a:fontRef idx="minor"/>
+      </dsp:style>
+      <dsp:txBody>
+        <a:bodyPr spcFirstLastPara="0" vert="horz" wrap="square" lIns="82000" tIns="82000" rIns="82000" bIns="82000" numCol="1" spcCol="1270" anchor="ctr" anchorCtr="0">
+          <a:noAutofit/>
+        </a:bodyPr>
+        <a:lstStyle/>
+        <a:p>
+          <a:pPr marL="0" lvl="0" indent="0" algn="l" defTabSz="977900">
+            <a:lnSpc>
+              <a:spcPct val="100000"/>
+            </a:lnSpc>
+            <a:spcBef>
+              <a:spcPct val="0"/>
+            </a:spcBef>
+            <a:spcAft>
+              <a:spcPct val="35000"/>
+            </a:spcAft>
+            <a:buNone/>
+          </a:pPr>
+          <a:r>
+            <a:rPr lang="en-DE" sz="2200" kern="1200" noProof="0" dirty="0" err="1"/>
+            <a:t>Engedélyezi</a:t>
+          </a:r>
+          <a:r>
+            <a:rPr lang="en-DE" sz="2200" kern="1200" noProof="0" dirty="0"/>
+            <a:t> a </a:t>
+          </a:r>
+          <a:r>
+            <a:rPr lang="en-DE" sz="2200" kern="1200" dirty="0"/>
+            <a:t>k</a:t>
+          </a:r>
+          <a:r>
+            <a:rPr lang="en-DE" sz="2200" kern="1200" noProof="0" dirty="0" err="1"/>
+            <a:t>ódnak</a:t>
+          </a:r>
+          <a:r>
+            <a:rPr lang="en-DE" sz="2200" kern="1200" noProof="0" dirty="0"/>
+            <a:t> </a:t>
+          </a:r>
+          <a:r>
+            <a:rPr lang="en-DE" sz="2200" kern="1200" noProof="0" dirty="0" err="1"/>
+            <a:t>létrehozását</a:t>
+          </a:r>
+          <a:r>
+            <a:rPr lang="en-DE" sz="2200" kern="1200" noProof="0" dirty="0"/>
+            <a:t>, </a:t>
+          </a:r>
+          <a:r>
+            <a:rPr lang="en-DE" sz="2200" kern="1200" noProof="0" dirty="0" err="1"/>
+            <a:t>tárolását</a:t>
+          </a:r>
+          <a:r>
+            <a:rPr lang="en-DE" sz="2200" kern="1200" noProof="0" dirty="0"/>
+            <a:t>, </a:t>
+          </a:r>
+          <a:r>
+            <a:rPr lang="en-DE" sz="2200" kern="1200" noProof="0" dirty="0" err="1"/>
+            <a:t>felügyelését</a:t>
+          </a:r>
+          <a:r>
+            <a:rPr lang="en-DE" sz="2200" kern="1200" noProof="0" dirty="0"/>
+            <a:t>, </a:t>
+          </a:r>
+          <a:r>
+            <a:rPr lang="en-DE" sz="2200" kern="1200" noProof="0" dirty="0" err="1"/>
+            <a:t>megosztását</a:t>
+          </a:r>
+          <a:endParaRPr lang="hu-HU" sz="2200" kern="1200" noProof="0" dirty="0"/>
+        </a:p>
+      </dsp:txBody>
+      <dsp:txXfrm>
+        <a:off x="894894" y="2907029"/>
+        <a:ext cx="8829136" cy="774800"/>
       </dsp:txXfrm>
     </dsp:sp>
   </dsp:spTree>
@@ -3214,7 +3535,7 @@
           <a:p>
             <a:fld id="{132BF4AC-D484-450D-AD48-6898BBA5306B}" type="datetimeFigureOut">
               <a:rPr lang="hu-HU" smtClean="0"/>
-              <a:t>2025. 11. 18.</a:t>
+              <a:t>2025. 11. 19.</a:t>
             </a:fld>
             <a:endParaRPr lang="hu-HU"/>
           </a:p>
@@ -3412,7 +3733,7 @@
           <a:p>
             <a:fld id="{132BF4AC-D484-450D-AD48-6898BBA5306B}" type="datetimeFigureOut">
               <a:rPr lang="hu-HU" smtClean="0"/>
-              <a:t>2025. 11. 18.</a:t>
+              <a:t>2025. 11. 19.</a:t>
             </a:fld>
             <a:endParaRPr lang="hu-HU"/>
           </a:p>
@@ -3620,7 +3941,7 @@
           <a:p>
             <a:fld id="{132BF4AC-D484-450D-AD48-6898BBA5306B}" type="datetimeFigureOut">
               <a:rPr lang="hu-HU" smtClean="0"/>
-              <a:t>2025. 11. 18.</a:t>
+              <a:t>2025. 11. 19.</a:t>
             </a:fld>
             <a:endParaRPr lang="hu-HU"/>
           </a:p>
@@ -3818,7 +4139,7 @@
           <a:p>
             <a:fld id="{132BF4AC-D484-450D-AD48-6898BBA5306B}" type="datetimeFigureOut">
               <a:rPr lang="hu-HU" smtClean="0"/>
-              <a:t>2025. 11. 18.</a:t>
+              <a:t>2025. 11. 19.</a:t>
             </a:fld>
             <a:endParaRPr lang="hu-HU"/>
           </a:p>
@@ -4093,7 +4414,7 @@
           <a:p>
             <a:fld id="{132BF4AC-D484-450D-AD48-6898BBA5306B}" type="datetimeFigureOut">
               <a:rPr lang="hu-HU" smtClean="0"/>
-              <a:t>2025. 11. 18.</a:t>
+              <a:t>2025. 11. 19.</a:t>
             </a:fld>
             <a:endParaRPr lang="hu-HU"/>
           </a:p>
@@ -4358,7 +4679,7 @@
           <a:p>
             <a:fld id="{132BF4AC-D484-450D-AD48-6898BBA5306B}" type="datetimeFigureOut">
               <a:rPr lang="hu-HU" smtClean="0"/>
-              <a:t>2025. 11. 18.</a:t>
+              <a:t>2025. 11. 19.</a:t>
             </a:fld>
             <a:endParaRPr lang="hu-HU"/>
           </a:p>
@@ -4770,7 +5091,7 @@
           <a:p>
             <a:fld id="{132BF4AC-D484-450D-AD48-6898BBA5306B}" type="datetimeFigureOut">
               <a:rPr lang="hu-HU" smtClean="0"/>
-              <a:t>2025. 11. 18.</a:t>
+              <a:t>2025. 11. 19.</a:t>
             </a:fld>
             <a:endParaRPr lang="hu-HU"/>
           </a:p>
@@ -4911,7 +5232,7 @@
           <a:p>
             <a:fld id="{132BF4AC-D484-450D-AD48-6898BBA5306B}" type="datetimeFigureOut">
               <a:rPr lang="hu-HU" smtClean="0"/>
-              <a:t>2025. 11. 18.</a:t>
+              <a:t>2025. 11. 19.</a:t>
             </a:fld>
             <a:endParaRPr lang="hu-HU"/>
           </a:p>
@@ -5024,7 +5345,7 @@
           <a:p>
             <a:fld id="{132BF4AC-D484-450D-AD48-6898BBA5306B}" type="datetimeFigureOut">
               <a:rPr lang="hu-HU" smtClean="0"/>
-              <a:t>2025. 11. 18.</a:t>
+              <a:t>2025. 11. 19.</a:t>
             </a:fld>
             <a:endParaRPr lang="hu-HU"/>
           </a:p>
@@ -5335,7 +5656,7 @@
           <a:p>
             <a:fld id="{132BF4AC-D484-450D-AD48-6898BBA5306B}" type="datetimeFigureOut">
               <a:rPr lang="hu-HU" smtClean="0"/>
-              <a:t>2025. 11. 18.</a:t>
+              <a:t>2025. 11. 19.</a:t>
             </a:fld>
             <a:endParaRPr lang="hu-HU"/>
           </a:p>
@@ -5623,7 +5944,7 @@
           <a:p>
             <a:fld id="{132BF4AC-D484-450D-AD48-6898BBA5306B}" type="datetimeFigureOut">
               <a:rPr lang="hu-HU" smtClean="0"/>
-              <a:t>2025. 11. 18.</a:t>
+              <a:t>2025. 11. 19.</a:t>
             </a:fld>
             <a:endParaRPr lang="hu-HU"/>
           </a:p>
@@ -5864,7 +6185,7 @@
           <a:p>
             <a:fld id="{132BF4AC-D484-450D-AD48-6898BBA5306B}" type="datetimeFigureOut">
               <a:rPr lang="hu-HU" smtClean="0"/>
-              <a:t>2025. 11. 18.</a:t>
+              <a:t>2025. 11. 19.</a:t>
             </a:fld>
             <a:endParaRPr lang="hu-HU"/>
           </a:p>
@@ -7637,29 +7958,18 @@
           <a:lstStyle/>
           <a:p>
             <a:r>
-              <a:rPr lang="hu-HU" sz="4000" noProof="0" dirty="0">
+              <a:rPr lang="hu-HU" sz="4000" noProof="0">
                 <a:solidFill>
                   <a:srgbClr val="FFFFFF"/>
                 </a:solidFill>
               </a:rPr>
-              <a:t>Mi az a </a:t>
+              <a:t>Mi az a Git?</a:t>
             </a:r>
-            <a:r>
-              <a:rPr lang="hu-HU" sz="4000" noProof="0" dirty="0" err="1">
-                <a:solidFill>
-                  <a:srgbClr val="FFFFFF"/>
-                </a:solidFill>
-              </a:rPr>
-              <a:t>Git</a:t>
-            </a:r>
-            <a:r>
-              <a:rPr lang="hu-HU" sz="4000" noProof="0" dirty="0">
-                <a:solidFill>
-                  <a:srgbClr val="FFFFFF"/>
-                </a:solidFill>
-              </a:rPr>
-              <a:t>?</a:t>
-            </a:r>
+            <a:endParaRPr lang="hu-HU" sz="4000" noProof="0" dirty="0">
+              <a:solidFill>
+                <a:srgbClr val="FFFFFF"/>
+              </a:solidFill>
+            </a:endParaRPr>
           </a:p>
         </p:txBody>
       </p:sp>
@@ -7679,7 +7989,7 @@
             <p:ph idx="1"/>
             <p:extLst>
               <p:ext uri="{D42A27DB-BD31-4B8C-83A1-F6EECF244321}">
-                <p14:modId xmlns:p14="http://schemas.microsoft.com/office/powerpoint/2010/main" val="1696592513"/>
+                <p14:modId xmlns:p14="http://schemas.microsoft.com/office/powerpoint/2010/main" val="3752310228"/>
               </p:ext>
             </p:extLst>
           </p:nvPr>
@@ -8190,72 +8500,6 @@
             <a:endParaRPr lang="en-DE" sz="2000" noProof="0" dirty="0"/>
           </a:p>
           <a:p>
-            <a:r>
-              <a:rPr lang="en-DE" sz="2000" noProof="0" dirty="0" err="1"/>
-              <a:t>Engedélyezi</a:t>
-            </a:r>
-            <a:r>
-              <a:rPr lang="en-DE" sz="2000" noProof="0" dirty="0"/>
-              <a:t> a </a:t>
-            </a:r>
-            <a:r>
-              <a:rPr lang="en-DE" sz="2000" dirty="0"/>
-              <a:t>k</a:t>
-            </a:r>
-            <a:r>
-              <a:rPr lang="en-DE" sz="2000" noProof="0" dirty="0" err="1"/>
-              <a:t>ódnak</a:t>
-            </a:r>
-            <a:r>
-              <a:rPr lang="en-DE" sz="2000" noProof="0" dirty="0"/>
-              <a:t> </a:t>
-            </a:r>
-          </a:p>
-          <a:p>
-            <a:pPr lvl="1"/>
-            <a:r>
-              <a:rPr lang="en-DE" sz="2000" dirty="0"/>
-              <a:t>L</a:t>
-            </a:r>
-            <a:r>
-              <a:rPr lang="en-DE" sz="2000" noProof="0" dirty="0" err="1"/>
-              <a:t>étrehozását</a:t>
-            </a:r>
-            <a:endParaRPr lang="en-DE" sz="2000" noProof="0" dirty="0"/>
-          </a:p>
-          <a:p>
-            <a:pPr lvl="1"/>
-            <a:r>
-              <a:rPr lang="en-DE" sz="2000" dirty="0"/>
-              <a:t>T</a:t>
-            </a:r>
-            <a:r>
-              <a:rPr lang="en-DE" sz="2000" noProof="0" dirty="0" err="1"/>
-              <a:t>árolását</a:t>
-            </a:r>
-            <a:endParaRPr lang="en-DE" sz="2000" dirty="0"/>
-          </a:p>
-          <a:p>
-            <a:pPr lvl="1"/>
-            <a:r>
-              <a:rPr lang="en-DE" sz="2000" dirty="0"/>
-              <a:t>F</a:t>
-            </a:r>
-            <a:r>
-              <a:rPr lang="en-DE" sz="2000" noProof="0" dirty="0" err="1"/>
-              <a:t>elügyelését</a:t>
-            </a:r>
-            <a:endParaRPr lang="en-DE" sz="2000" dirty="0"/>
-          </a:p>
-          <a:p>
-            <a:pPr lvl="1"/>
-            <a:r>
-              <a:rPr lang="en-DE" sz="2000" noProof="0" dirty="0" err="1"/>
-              <a:t>Megosztását</a:t>
-            </a:r>
-            <a:endParaRPr lang="en-DE" sz="2000" noProof="0" dirty="0"/>
-          </a:p>
-          <a:p>
             <a:endParaRPr lang="en-DE" sz="2000" noProof="0" dirty="0"/>
           </a:p>
         </p:txBody>
@@ -8344,6 +8588,19 @@
                 <a:hlinkClick r:id="rId2"/>
               </a:rPr>
               <a:t>https://en.wikipedia.org/wiki/Git</a:t>
+            </a:r>
+            <a:endParaRPr lang="en-DE" noProof="0" dirty="0"/>
+          </a:p>
+          <a:p>
+            <a:r>
+              <a:rPr lang="hu-HU" dirty="0">
+                <a:hlinkClick r:id="rId3"/>
+              </a:rPr>
+              <a:t>https://en.wikipedia.org/wiki/GitHub</a:t>
+            </a:r>
+            <a:r>
+              <a:rPr lang="en-DE" dirty="0"/>
+              <a:t> </a:t>
             </a:r>
             <a:r>
               <a:rPr lang="hu-HU" noProof="0" dirty="0"/>

--- a/2025-2026/IKT/github/Github.pptx
+++ b/2025-2026/IKT/github/Github.pptx
@@ -3535,7 +3535,7 @@
           <a:p>
             <a:fld id="{132BF4AC-D484-450D-AD48-6898BBA5306B}" type="datetimeFigureOut">
               <a:rPr lang="hu-HU" smtClean="0"/>
-              <a:t>2025. 11. 19.</a:t>
+              <a:t>2025. 11. 27.</a:t>
             </a:fld>
             <a:endParaRPr lang="hu-HU"/>
           </a:p>
@@ -3733,7 +3733,7 @@
           <a:p>
             <a:fld id="{132BF4AC-D484-450D-AD48-6898BBA5306B}" type="datetimeFigureOut">
               <a:rPr lang="hu-HU" smtClean="0"/>
-              <a:t>2025. 11. 19.</a:t>
+              <a:t>2025. 11. 27.</a:t>
             </a:fld>
             <a:endParaRPr lang="hu-HU"/>
           </a:p>
@@ -3941,7 +3941,7 @@
           <a:p>
             <a:fld id="{132BF4AC-D484-450D-AD48-6898BBA5306B}" type="datetimeFigureOut">
               <a:rPr lang="hu-HU" smtClean="0"/>
-              <a:t>2025. 11. 19.</a:t>
+              <a:t>2025. 11. 27.</a:t>
             </a:fld>
             <a:endParaRPr lang="hu-HU"/>
           </a:p>
@@ -4139,7 +4139,7 @@
           <a:p>
             <a:fld id="{132BF4AC-D484-450D-AD48-6898BBA5306B}" type="datetimeFigureOut">
               <a:rPr lang="hu-HU" smtClean="0"/>
-              <a:t>2025. 11. 19.</a:t>
+              <a:t>2025. 11. 27.</a:t>
             </a:fld>
             <a:endParaRPr lang="hu-HU"/>
           </a:p>
@@ -4414,7 +4414,7 @@
           <a:p>
             <a:fld id="{132BF4AC-D484-450D-AD48-6898BBA5306B}" type="datetimeFigureOut">
               <a:rPr lang="hu-HU" smtClean="0"/>
-              <a:t>2025. 11. 19.</a:t>
+              <a:t>2025. 11. 27.</a:t>
             </a:fld>
             <a:endParaRPr lang="hu-HU"/>
           </a:p>
@@ -4679,7 +4679,7 @@
           <a:p>
             <a:fld id="{132BF4AC-D484-450D-AD48-6898BBA5306B}" type="datetimeFigureOut">
               <a:rPr lang="hu-HU" smtClean="0"/>
-              <a:t>2025. 11. 19.</a:t>
+              <a:t>2025. 11. 27.</a:t>
             </a:fld>
             <a:endParaRPr lang="hu-HU"/>
           </a:p>
@@ -5091,7 +5091,7 @@
           <a:p>
             <a:fld id="{132BF4AC-D484-450D-AD48-6898BBA5306B}" type="datetimeFigureOut">
               <a:rPr lang="hu-HU" smtClean="0"/>
-              <a:t>2025. 11. 19.</a:t>
+              <a:t>2025. 11. 27.</a:t>
             </a:fld>
             <a:endParaRPr lang="hu-HU"/>
           </a:p>
@@ -5232,7 +5232,7 @@
           <a:p>
             <a:fld id="{132BF4AC-D484-450D-AD48-6898BBA5306B}" type="datetimeFigureOut">
               <a:rPr lang="hu-HU" smtClean="0"/>
-              <a:t>2025. 11. 19.</a:t>
+              <a:t>2025. 11. 27.</a:t>
             </a:fld>
             <a:endParaRPr lang="hu-HU"/>
           </a:p>
@@ -5345,7 +5345,7 @@
           <a:p>
             <a:fld id="{132BF4AC-D484-450D-AD48-6898BBA5306B}" type="datetimeFigureOut">
               <a:rPr lang="hu-HU" smtClean="0"/>
-              <a:t>2025. 11. 19.</a:t>
+              <a:t>2025. 11. 27.</a:t>
             </a:fld>
             <a:endParaRPr lang="hu-HU"/>
           </a:p>
@@ -5656,7 +5656,7 @@
           <a:p>
             <a:fld id="{132BF4AC-D484-450D-AD48-6898BBA5306B}" type="datetimeFigureOut">
               <a:rPr lang="hu-HU" smtClean="0"/>
-              <a:t>2025. 11. 19.</a:t>
+              <a:t>2025. 11. 27.</a:t>
             </a:fld>
             <a:endParaRPr lang="hu-HU"/>
           </a:p>
@@ -5944,7 +5944,7 @@
           <a:p>
             <a:fld id="{132BF4AC-D484-450D-AD48-6898BBA5306B}" type="datetimeFigureOut">
               <a:rPr lang="hu-HU" smtClean="0"/>
-              <a:t>2025. 11. 19.</a:t>
+              <a:t>2025. 11. 27.</a:t>
             </a:fld>
             <a:endParaRPr lang="hu-HU"/>
           </a:p>
@@ -6185,7 +6185,7 @@
           <a:p>
             <a:fld id="{132BF4AC-D484-450D-AD48-6898BBA5306B}" type="datetimeFigureOut">
               <a:rPr lang="hu-HU" smtClean="0"/>
-              <a:t>2025. 11. 19.</a:t>
+              <a:t>2025. 11. 27.</a:t>
             </a:fld>
             <a:endParaRPr lang="hu-HU"/>
           </a:p>
@@ -8500,6 +8500,21 @@
             <a:endParaRPr lang="en-DE" sz="2000" noProof="0" dirty="0"/>
           </a:p>
           <a:p>
+            <a:r>
+              <a:rPr lang="en-DE" sz="2000" noProof="0" dirty="0" err="1"/>
+              <a:t>Grafikai</a:t>
+            </a:r>
+            <a:r>
+              <a:rPr lang="en-DE" sz="2000" noProof="0" dirty="0"/>
+              <a:t> </a:t>
+            </a:r>
+            <a:r>
+              <a:rPr lang="en-DE" sz="2000" noProof="0" dirty="0" err="1"/>
+              <a:t>felülettel</a:t>
+            </a:r>
+            <a:endParaRPr lang="en-DE" sz="2000" noProof="0"/>
+          </a:p>
+          <a:p>
             <a:endParaRPr lang="en-DE" sz="2000" noProof="0" dirty="0"/>
           </a:p>
         </p:txBody>

--- a/2025-2026/IKT/github/Github.pptx
+++ b/2025-2026/IKT/github/Github.pptx
@@ -8527,8 +8527,8 @@
         </p:nvSpPr>
         <p:spPr>
           <a:xfrm>
-            <a:off x="216000" y="812520"/>
-            <a:ext cx="7127280" cy="4008960"/>
+            <a:off x="217488" y="812800"/>
+            <a:ext cx="7124700" cy="4008438"/>
           </a:xfrm>
           <a:prstGeom prst="rect">
             <a:avLst/>
@@ -10423,6 +10423,9 @@
   <p:clrMapOvr>
     <a:masterClrMapping/>
   </p:clrMapOvr>
+  <p:transition spd="slow">
+    <p:push dir="u"/>
+  </p:transition>
 </p:sldLayout>
 </file>
 
@@ -10950,6 +10953,9 @@
   <p:clrMapOvr>
     <a:masterClrMapping/>
   </p:clrMapOvr>
+  <p:transition spd="slow">
+    <p:push dir="u"/>
+  </p:transition>
 </p:sldLayout>
 </file>
 
@@ -11477,6 +11483,9 @@
   <p:clrMapOvr>
     <a:masterClrMapping/>
   </p:clrMapOvr>
+  <p:transition spd="slow">
+    <p:push dir="u"/>
+  </p:transition>
 </p:sldLayout>
 </file>
 
@@ -12004,6 +12013,9 @@
   <p:clrMapOvr>
     <a:masterClrMapping/>
   </p:clrMapOvr>
+  <p:transition spd="slow">
+    <p:push dir="u"/>
+  </p:transition>
 </p:sldLayout>
 </file>
 
@@ -12731,6 +12743,9 @@
   <p:clrMapOvr>
     <a:masterClrMapping/>
   </p:clrMapOvr>
+  <p:transition spd="slow">
+    <p:push dir="u"/>
+  </p:transition>
 </p:sldLayout>
 </file>
 
@@ -13584,6 +13599,9 @@
   <p:clrMapOvr>
     <a:masterClrMapping/>
   </p:clrMapOvr>
+  <p:transition spd="slow">
+    <p:push dir="u"/>
+  </p:transition>
 </p:sldLayout>
 </file>
 
@@ -13911,6 +13929,9 @@
   <p:clrMapOvr>
     <a:masterClrMapping/>
   </p:clrMapOvr>
+  <p:transition spd="slow">
+    <p:push dir="u"/>
+  </p:transition>
 </p:sldLayout>
 </file>
 
@@ -14178,6 +14199,9 @@
   <p:clrMapOvr>
     <a:masterClrMapping/>
   </p:clrMapOvr>
+  <p:transition spd="slow">
+    <p:push dir="u"/>
+  </p:transition>
 </p:sldLayout>
 </file>
 
@@ -14768,6 +14792,9 @@
   <p:clrMapOvr>
     <a:masterClrMapping/>
   </p:clrMapOvr>
+  <p:transition spd="slow">
+    <p:push dir="u"/>
+  </p:transition>
 </p:sldLayout>
 </file>
 
@@ -15433,6 +15460,9 @@
   <p:clrMapOvr>
     <a:masterClrMapping/>
   </p:clrMapOvr>
+  <p:transition spd="slow">
+    <p:push dir="u"/>
+  </p:transition>
 </p:sldLayout>
 </file>
 
@@ -16035,6 +16065,9 @@
   <p:clrMapOvr>
     <a:masterClrMapping/>
   </p:clrMapOvr>
+  <p:transition spd="slow">
+    <p:push dir="u"/>
+  </p:transition>
 </p:sldLayout>
 </file>
 
@@ -16562,6 +16595,9 @@
   <p:clrMapOvr>
     <a:masterClrMapping/>
   </p:clrMapOvr>
+  <p:transition spd="slow">
+    <p:push dir="u"/>
+  </p:transition>
 </p:sldLayout>
 </file>
 
@@ -16604,6 +16640,9 @@
     <p:sldLayoutId id="2147483659" r:id="rId11"/>
     <p:sldLayoutId id="2147483660" r:id="rId12"/>
   </p:sldLayoutIdLst>
+  <p:transition spd="slow">
+    <p:push dir="u"/>
+  </p:transition>
   <p:txStyles>
     <p:titleStyle>
       <a:lvl1pPr algn="l" defTabSz="914400" rtl="0" eaLnBrk="1" latinLnBrk="0" hangingPunct="1">
@@ -17500,7 +17539,7 @@
         </p:spPr>
         <p:txBody>
           <a:bodyPr lIns="91440" tIns="45720" rIns="91440" bIns="45720" anchor="ctr">
-            <a:normAutofit fontScale="92500" lnSpcReduction="9999"/>
+            <a:normAutofit fontScale="92500"/>
           </a:bodyPr>
           <a:lstStyle/>
           <a:p>
@@ -17636,6 +17675,14 @@
   <p:clrMapOvr>
     <a:masterClrMapping/>
   </p:clrMapOvr>
+  <mc:AlternateContent xmlns:mc="http://schemas.openxmlformats.org/markup-compatibility/2006" xmlns:p14="http://schemas.microsoft.com/office/powerpoint/2010/main">
+    <mc:Choice Requires="p14">
+      <p:transition p14:dur="0"/>
+    </mc:Choice>
+    <mc:Fallback xmlns="">
+      <p:transition/>
+    </mc:Fallback>
+  </mc:AlternateContent>
   <p:timing>
     <p:tnLst>
       <p:par>
@@ -18968,6 +19015,9 @@
   <p:clrMapOvr>
     <a:masterClrMapping/>
   </p:clrMapOvr>
+  <p:transition spd="slow">
+    <p:push dir="u"/>
+  </p:transition>
   <p:timing>
     <p:tnLst>
       <p:par>
@@ -20146,6 +20196,9 @@
   <p:clrMapOvr>
     <a:masterClrMapping/>
   </p:clrMapOvr>
+  <p:transition spd="slow">
+    <p:push dir="u"/>
+  </p:transition>
 </p:sld>
 </file>
 
@@ -20567,6 +20620,9 @@
   <p:clrMapOvr>
     <a:masterClrMapping/>
   </p:clrMapOvr>
+  <p:transition spd="slow">
+    <p:push dir="u"/>
+  </p:transition>
 </p:sld>
 </file>
 
@@ -20695,6 +20751,9 @@
   <p:clrMapOvr>
     <a:masterClrMapping/>
   </p:clrMapOvr>
+  <p:transition spd="slow">
+    <p:push dir="u"/>
+  </p:transition>
 </p:sld>
 </file>
 
@@ -21759,7 +21818,7 @@
               <a:buChar char=""/>
             </a:pPr>
             <a:r>
-              <a:rPr lang="en-US" sz="3200" b="0" u="none" strike="noStrike">
+              <a:rPr lang="en-US" sz="3200" b="0" u="none" strike="noStrike" dirty="0" err="1">
                 <a:solidFill>
                   <a:srgbClr val="000000"/>
                 </a:solidFill>
@@ -21767,7 +21826,18 @@
                 <a:uFillTx/>
                 <a:latin typeface="Arial"/>
               </a:rPr>
-              <a:t>Készítette: Linus Torvalds</a:t>
+              <a:t>Készítette</a:t>
+            </a:r>
+            <a:r>
+              <a:rPr lang="en-US" sz="3200" b="0" u="none" strike="noStrike" dirty="0">
+                <a:solidFill>
+                  <a:srgbClr val="000000"/>
+                </a:solidFill>
+                <a:effectLst/>
+                <a:uFillTx/>
+                <a:latin typeface="Arial"/>
+              </a:rPr>
+              <a:t>: Linus Torvalds</a:t>
             </a:r>
           </a:p>
           <a:p>
@@ -21786,7 +21856,7 @@
               <a:buChar char=""/>
             </a:pPr>
             <a:r>
-              <a:rPr lang="en-US" sz="3200" b="0" u="none" strike="noStrike">
+              <a:rPr lang="en-US" sz="3200" b="0" u="none" strike="noStrike" dirty="0">
                 <a:solidFill>
                   <a:srgbClr val="000000"/>
                 </a:solidFill>
@@ -21794,7 +21864,119 @@
                 <a:uFillTx/>
                 <a:latin typeface="Arial"/>
               </a:rPr>
-              <a:t>Az alap Verziókezelő szoftver</a:t>
+              <a:t>Az </a:t>
+            </a:r>
+            <a:r>
+              <a:rPr lang="en-US" sz="3200" b="0" u="none" strike="noStrike" dirty="0" err="1">
+                <a:solidFill>
+                  <a:srgbClr val="000000"/>
+                </a:solidFill>
+                <a:effectLst/>
+                <a:uFillTx/>
+                <a:latin typeface="Arial"/>
+              </a:rPr>
+              <a:t>alap</a:t>
+            </a:r>
+            <a:r>
+              <a:rPr lang="en-US" sz="3200" b="0" u="none" strike="noStrike" dirty="0">
+                <a:solidFill>
+                  <a:srgbClr val="000000"/>
+                </a:solidFill>
+                <a:effectLst/>
+                <a:uFillTx/>
+                <a:latin typeface="Arial"/>
+              </a:rPr>
+              <a:t> </a:t>
+            </a:r>
+            <a:r>
+              <a:rPr lang="en-US" sz="3200" b="0" u="none" strike="noStrike" dirty="0" err="1">
+                <a:solidFill>
+                  <a:srgbClr val="000000"/>
+                </a:solidFill>
+                <a:effectLst/>
+                <a:uFillTx/>
+                <a:latin typeface="Arial"/>
+              </a:rPr>
+              <a:t>Verziókezelő</a:t>
+            </a:r>
+            <a:r>
+              <a:rPr lang="en-US" sz="3200" b="0" u="none" strike="noStrike" dirty="0">
+                <a:solidFill>
+                  <a:srgbClr val="000000"/>
+                </a:solidFill>
+                <a:effectLst/>
+                <a:uFillTx/>
+                <a:latin typeface="Arial"/>
+              </a:rPr>
+              <a:t> </a:t>
+            </a:r>
+            <a:r>
+              <a:rPr lang="en-US" sz="3200" b="0" u="none" strike="noStrike" dirty="0" err="1">
+                <a:solidFill>
+                  <a:srgbClr val="000000"/>
+                </a:solidFill>
+                <a:effectLst/>
+                <a:uFillTx/>
+                <a:latin typeface="Arial"/>
+              </a:rPr>
+              <a:t>szoftver</a:t>
+            </a:r>
+            <a:endParaRPr lang="en-US" sz="3200" b="0" u="none" strike="noStrike" dirty="0">
+              <a:solidFill>
+                <a:srgbClr val="000000"/>
+              </a:solidFill>
+              <a:effectLst/>
+              <a:uFillTx/>
+              <a:latin typeface="Arial"/>
+            </a:endParaRPr>
+          </a:p>
+          <a:p>
+            <a:pPr marL="432000" indent="-324000">
+              <a:lnSpc>
+                <a:spcPct val="100000"/>
+              </a:lnSpc>
+              <a:spcBef>
+                <a:spcPts val="1417"/>
+              </a:spcBef>
+              <a:buClr>
+                <a:srgbClr val="000000"/>
+              </a:buClr>
+              <a:buSzPct val="45000"/>
+              <a:buFont typeface="Wingdings" charset="2"/>
+              <a:buChar char=""/>
+            </a:pPr>
+            <a:r>
+              <a:rPr lang="en-US" sz="3200" b="0" u="none" strike="noStrike" dirty="0">
+                <a:solidFill>
+                  <a:srgbClr val="000000"/>
+                </a:solidFill>
+                <a:effectLst/>
+                <a:uFillTx/>
+                <a:latin typeface="Arial"/>
+              </a:rPr>
+              <a:t>A GitHub “</a:t>
+            </a:r>
+            <a:r>
+              <a:rPr lang="en-US" sz="3200" b="0" u="none" strike="noStrike" dirty="0" err="1">
+                <a:solidFill>
+                  <a:srgbClr val="000000"/>
+                </a:solidFill>
+                <a:effectLst/>
+                <a:uFillTx/>
+                <a:latin typeface="Arial"/>
+              </a:rPr>
+              <a:t>motorja</a:t>
+            </a:r>
+            <a:r>
+              <a:rPr lang="en-US" sz="3200" b="0" u="none" strike="noStrike" dirty="0">
+                <a:solidFill>
+                  <a:srgbClr val="000000"/>
+                </a:solidFill>
+                <a:effectLst/>
+                <a:uFillTx/>
+                <a:latin typeface="Arial"/>
+              </a:rPr>
+              <a:t>”</a:t>
             </a:r>
           </a:p>
           <a:p>
@@ -21813,7 +21995,7 @@
               <a:buChar char=""/>
             </a:pPr>
             <a:r>
-              <a:rPr lang="en-US" sz="3200" b="0" u="none" strike="noStrike">
+              <a:rPr lang="en-US" sz="3200" b="0" u="none" strike="noStrike" dirty="0" err="1">
                 <a:solidFill>
                   <a:srgbClr val="000000"/>
                 </a:solidFill>
@@ -21821,26 +22003,10 @@
                 <a:uFillTx/>
                 <a:latin typeface="Arial"/>
               </a:rPr>
-              <a:t>A GitHub “motorja”</a:t>
+              <a:t>Parancssorban</a:t>
             </a:r>
-          </a:p>
-          <a:p>
-            <a:pPr marL="432000" indent="-324000">
-              <a:lnSpc>
-                <a:spcPct val="100000"/>
-              </a:lnSpc>
-              <a:spcBef>
-                <a:spcPts val="1417"/>
-              </a:spcBef>
-              <a:buClr>
-                <a:srgbClr val="000000"/>
-              </a:buClr>
-              <a:buSzPct val="45000"/>
-              <a:buFont typeface="Wingdings" charset="2"/>
-              <a:buChar char=""/>
-            </a:pPr>
             <a:r>
-              <a:rPr lang="en-US" sz="3200" b="0" u="none" strike="noStrike">
+              <a:rPr lang="en-US" sz="3200" b="0" u="none" strike="noStrike" dirty="0">
                 <a:solidFill>
                   <a:srgbClr val="000000"/>
                 </a:solidFill>
@@ -21848,8 +22014,27 @@
                 <a:uFillTx/>
                 <a:latin typeface="Arial"/>
               </a:rPr>
-              <a:t>Parancssorban használandó</a:t>
+              <a:t> </a:t>
             </a:r>
+            <a:r>
+              <a:rPr lang="en-US" sz="3200" b="0" u="none" strike="noStrike" dirty="0" err="1">
+                <a:solidFill>
+                  <a:srgbClr val="000000"/>
+                </a:solidFill>
+                <a:effectLst/>
+                <a:uFillTx/>
+                <a:latin typeface="Arial"/>
+              </a:rPr>
+              <a:t>használandó</a:t>
+            </a:r>
+            <a:endParaRPr lang="en-US" sz="3200" b="0" u="none" strike="noStrike" dirty="0">
+              <a:solidFill>
+                <a:srgbClr val="000000"/>
+              </a:solidFill>
+              <a:effectLst/>
+              <a:uFillTx/>
+              <a:latin typeface="Arial"/>
+            </a:endParaRPr>
           </a:p>
         </p:txBody>
       </p:sp>
@@ -21885,6 +22070,309 @@
   <p:transition spd="slow">
     <p:push dir="u"/>
   </p:transition>
+  <p:timing>
+    <p:tnLst>
+      <p:par>
+        <p:cTn id="1" dur="indefinite" restart="never" nodeType="tmRoot">
+          <p:childTnLst>
+            <p:seq concurrent="1" nextAc="seek">
+              <p:cTn id="2" dur="indefinite" nodeType="mainSeq">
+                <p:childTnLst>
+                  <p:par>
+                    <p:cTn id="3" fill="hold">
+                      <p:stCondLst>
+                        <p:cond delay="indefinite"/>
+                        <p:cond evt="onBegin" delay="0">
+                          <p:tn val="2"/>
+                        </p:cond>
+                      </p:stCondLst>
+                      <p:childTnLst>
+                        <p:par>
+                          <p:cTn id="4" fill="hold">
+                            <p:stCondLst>
+                              <p:cond delay="0"/>
+                            </p:stCondLst>
+                            <p:childTnLst>
+                              <p:par>
+                                <p:cTn id="5" presetID="10" presetClass="entr" presetSubtype="0" fill="hold" nodeType="afterEffect">
+                                  <p:stCondLst>
+                                    <p:cond delay="500"/>
+                                  </p:stCondLst>
+                                  <p:childTnLst>
+                                    <p:set>
+                                      <p:cBhvr>
+                                        <p:cTn id="6" dur="1" fill="hold">
+                                          <p:stCondLst>
+                                            <p:cond delay="0"/>
+                                          </p:stCondLst>
+                                        </p:cTn>
+                                        <p:tgtEl>
+                                          <p:spTgt spid="84">
+                                            <p:txEl>
+                                              <p:pRg st="0" end="0"/>
+                                            </p:txEl>
+                                          </p:spTgt>
+                                        </p:tgtEl>
+                                        <p:attrNameLst>
+                                          <p:attrName>style.visibility</p:attrName>
+                                        </p:attrNameLst>
+                                      </p:cBhvr>
+                                      <p:to>
+                                        <p:strVal val="visible"/>
+                                      </p:to>
+                                    </p:set>
+                                    <p:animEffect transition="in" filter="fade">
+                                      <p:cBhvr>
+                                        <p:cTn id="7" dur="500"/>
+                                        <p:tgtEl>
+                                          <p:spTgt spid="84">
+                                            <p:txEl>
+                                              <p:pRg st="0" end="0"/>
+                                            </p:txEl>
+                                          </p:spTgt>
+                                        </p:tgtEl>
+                                      </p:cBhvr>
+                                    </p:animEffect>
+                                  </p:childTnLst>
+                                </p:cTn>
+                              </p:par>
+                            </p:childTnLst>
+                          </p:cTn>
+                        </p:par>
+                        <p:par>
+                          <p:cTn id="8" fill="hold">
+                            <p:stCondLst>
+                              <p:cond delay="1000"/>
+                            </p:stCondLst>
+                            <p:childTnLst>
+                              <p:par>
+                                <p:cTn id="9" presetID="10" presetClass="entr" presetSubtype="0" fill="hold" nodeType="afterEffect">
+                                  <p:stCondLst>
+                                    <p:cond delay="0"/>
+                                  </p:stCondLst>
+                                  <p:childTnLst>
+                                    <p:set>
+                                      <p:cBhvr>
+                                        <p:cTn id="10" dur="1" fill="hold">
+                                          <p:stCondLst>
+                                            <p:cond delay="0"/>
+                                          </p:stCondLst>
+                                        </p:cTn>
+                                        <p:tgtEl>
+                                          <p:spTgt spid="84">
+                                            <p:txEl>
+                                              <p:pRg st="1" end="1"/>
+                                            </p:txEl>
+                                          </p:spTgt>
+                                        </p:tgtEl>
+                                        <p:attrNameLst>
+                                          <p:attrName>style.visibility</p:attrName>
+                                        </p:attrNameLst>
+                                      </p:cBhvr>
+                                      <p:to>
+                                        <p:strVal val="visible"/>
+                                      </p:to>
+                                    </p:set>
+                                    <p:animEffect transition="in" filter="fade">
+                                      <p:cBhvr>
+                                        <p:cTn id="11" dur="500"/>
+                                        <p:tgtEl>
+                                          <p:spTgt spid="84">
+                                            <p:txEl>
+                                              <p:pRg st="1" end="1"/>
+                                            </p:txEl>
+                                          </p:spTgt>
+                                        </p:tgtEl>
+                                      </p:cBhvr>
+                                    </p:animEffect>
+                                  </p:childTnLst>
+                                </p:cTn>
+                              </p:par>
+                            </p:childTnLst>
+                          </p:cTn>
+                        </p:par>
+                        <p:par>
+                          <p:cTn id="12" fill="hold">
+                            <p:stCondLst>
+                              <p:cond delay="1500"/>
+                            </p:stCondLst>
+                            <p:childTnLst>
+                              <p:par>
+                                <p:cTn id="13" presetID="10" presetClass="entr" presetSubtype="0" fill="hold" nodeType="afterEffect">
+                                  <p:stCondLst>
+                                    <p:cond delay="0"/>
+                                  </p:stCondLst>
+                                  <p:childTnLst>
+                                    <p:set>
+                                      <p:cBhvr>
+                                        <p:cTn id="14" dur="1" fill="hold">
+                                          <p:stCondLst>
+                                            <p:cond delay="0"/>
+                                          </p:stCondLst>
+                                        </p:cTn>
+                                        <p:tgtEl>
+                                          <p:spTgt spid="84">
+                                            <p:txEl>
+                                              <p:pRg st="2" end="2"/>
+                                            </p:txEl>
+                                          </p:spTgt>
+                                        </p:tgtEl>
+                                        <p:attrNameLst>
+                                          <p:attrName>style.visibility</p:attrName>
+                                        </p:attrNameLst>
+                                      </p:cBhvr>
+                                      <p:to>
+                                        <p:strVal val="visible"/>
+                                      </p:to>
+                                    </p:set>
+                                    <p:animEffect transition="in" filter="fade">
+                                      <p:cBhvr>
+                                        <p:cTn id="15" dur="500"/>
+                                        <p:tgtEl>
+                                          <p:spTgt spid="84">
+                                            <p:txEl>
+                                              <p:pRg st="2" end="2"/>
+                                            </p:txEl>
+                                          </p:spTgt>
+                                        </p:tgtEl>
+                                      </p:cBhvr>
+                                    </p:animEffect>
+                                  </p:childTnLst>
+                                </p:cTn>
+                              </p:par>
+                            </p:childTnLst>
+                          </p:cTn>
+                        </p:par>
+                        <p:par>
+                          <p:cTn id="16" fill="hold">
+                            <p:stCondLst>
+                              <p:cond delay="2000"/>
+                            </p:stCondLst>
+                            <p:childTnLst>
+                              <p:par>
+                                <p:cTn id="17" presetID="10" presetClass="entr" presetSubtype="0" fill="hold" nodeType="afterEffect">
+                                  <p:stCondLst>
+                                    <p:cond delay="0"/>
+                                  </p:stCondLst>
+                                  <p:childTnLst>
+                                    <p:set>
+                                      <p:cBhvr>
+                                        <p:cTn id="18" dur="1" fill="hold">
+                                          <p:stCondLst>
+                                            <p:cond delay="0"/>
+                                          </p:stCondLst>
+                                        </p:cTn>
+                                        <p:tgtEl>
+                                          <p:spTgt spid="84">
+                                            <p:txEl>
+                                              <p:pRg st="3" end="3"/>
+                                            </p:txEl>
+                                          </p:spTgt>
+                                        </p:tgtEl>
+                                        <p:attrNameLst>
+                                          <p:attrName>style.visibility</p:attrName>
+                                        </p:attrNameLst>
+                                      </p:cBhvr>
+                                      <p:to>
+                                        <p:strVal val="visible"/>
+                                      </p:to>
+                                    </p:set>
+                                    <p:animEffect transition="in" filter="fade">
+                                      <p:cBhvr>
+                                        <p:cTn id="19" dur="500"/>
+                                        <p:tgtEl>
+                                          <p:spTgt spid="84">
+                                            <p:txEl>
+                                              <p:pRg st="3" end="3"/>
+                                            </p:txEl>
+                                          </p:spTgt>
+                                        </p:tgtEl>
+                                      </p:cBhvr>
+                                    </p:animEffect>
+                                  </p:childTnLst>
+                                </p:cTn>
+                              </p:par>
+                            </p:childTnLst>
+                          </p:cTn>
+                        </p:par>
+                      </p:childTnLst>
+                    </p:cTn>
+                  </p:par>
+                  <p:par>
+                    <p:cTn id="20" fill="hold">
+                      <p:stCondLst>
+                        <p:cond delay="indefinite"/>
+                      </p:stCondLst>
+                      <p:childTnLst>
+                        <p:par>
+                          <p:cTn id="21" fill="hold">
+                            <p:stCondLst>
+                              <p:cond delay="0"/>
+                            </p:stCondLst>
+                            <p:childTnLst>
+                              <p:par>
+                                <p:cTn id="22" presetID="10" presetClass="entr" presetSubtype="0" fill="hold" nodeType="clickEffect">
+                                  <p:stCondLst>
+                                    <p:cond delay="0"/>
+                                  </p:stCondLst>
+                                  <p:childTnLst>
+                                    <p:set>
+                                      <p:cBhvr>
+                                        <p:cTn id="23" dur="1" fill="hold">
+                                          <p:stCondLst>
+                                            <p:cond delay="0"/>
+                                          </p:stCondLst>
+                                        </p:cTn>
+                                        <p:tgtEl>
+                                          <p:spTgt spid="85"/>
+                                        </p:tgtEl>
+                                        <p:attrNameLst>
+                                          <p:attrName>style.visibility</p:attrName>
+                                        </p:attrNameLst>
+                                      </p:cBhvr>
+                                      <p:to>
+                                        <p:strVal val="visible"/>
+                                      </p:to>
+                                    </p:set>
+                                    <p:animEffect transition="in" filter="fade">
+                                      <p:cBhvr>
+                                        <p:cTn id="24" dur="500"/>
+                                        <p:tgtEl>
+                                          <p:spTgt spid="85"/>
+                                        </p:tgtEl>
+                                      </p:cBhvr>
+                                    </p:animEffect>
+                                  </p:childTnLst>
+                                </p:cTn>
+                              </p:par>
+                            </p:childTnLst>
+                          </p:cTn>
+                        </p:par>
+                      </p:childTnLst>
+                    </p:cTn>
+                  </p:par>
+                </p:childTnLst>
+              </p:cTn>
+              <p:prevCondLst>
+                <p:cond evt="onPrev" delay="0">
+                  <p:tgtEl>
+                    <p:sldTgt/>
+                  </p:tgtEl>
+                </p:cond>
+              </p:prevCondLst>
+              <p:nextCondLst>
+                <p:cond evt="onNext" delay="0">
+                  <p:tgtEl>
+                    <p:sldTgt/>
+                  </p:tgtEl>
+                </p:cond>
+              </p:nextCondLst>
+            </p:seq>
+          </p:childTnLst>
+        </p:cTn>
+      </p:par>
+    </p:tnLst>
+  </p:timing>
 </p:sld>
 </file>
 
@@ -22273,7 +22761,7 @@
                 </a:tabLst>
               </a:pPr>
               <a:r>
-                <a:rPr lang="hu-HU" sz="2400" b="0" u="none" strike="noStrike">
+                <a:rPr lang="hu-HU" sz="2400" b="0" u="none" strike="noStrike" dirty="0">
                   <a:solidFill>
                     <a:srgbClr val="000000"/>
                   </a:solidFill>
@@ -22283,7 +22771,7 @@
                 </a:rPr>
                 <a:t>Commit</a:t>
               </a:r>
-              <a:endParaRPr lang="en-US" sz="2400" b="0" u="none" strike="noStrike">
+              <a:endParaRPr lang="en-US" sz="2400" b="0" u="none" strike="noStrike" dirty="0">
                 <a:solidFill>
                   <a:srgbClr val="000000"/>
                 </a:solidFill>
@@ -23458,6 +23946,9 @@
   <p:clrMapOvr>
     <a:masterClrMapping/>
   </p:clrMapOvr>
+  <p:transition spd="slow">
+    <p:push dir="u"/>
+  </p:transition>
 </p:sld>
 </file>
 
@@ -25928,6 +26419,9 @@
   <p:clrMapOvr>
     <a:masterClrMapping/>
   </p:clrMapOvr>
+  <p:transition spd="slow">
+    <p:push dir="u"/>
+  </p:transition>
 </p:sld>
 </file>
 
@@ -26742,6 +27236,9 @@
   <p:clrMapOvr>
     <a:masterClrMapping/>
   </p:clrMapOvr>
+  <p:transition spd="slow">
+    <p:push dir="u"/>
+  </p:transition>
 </p:sld>
 </file>
 

--- a/2025-2026/IKT/github/Github.pptx
+++ b/2025-2026/IKT/github/Github.pptx
@@ -17369,7 +17369,18 @@
                 <a:spcPct val="100000"/>
               </a:lnSpc>
             </a:pPr>
-            <a:endParaRPr lang="hu-HU" sz="1800" b="0" u="none" strike="noStrike">
+            <a:r>
+              <a:rPr lang="en-DE" sz="1800" b="0" u="none" strike="noStrike" dirty="0">
+                <a:solidFill>
+                  <a:schemeClr val="lt1"/>
+                </a:solidFill>
+                <a:effectLst/>
+                <a:uFillTx/>
+                <a:latin typeface="Aptos"/>
+              </a:rPr>
+              <a:t>0</a:t>
+            </a:r>
+            <a:endParaRPr lang="hu-HU" sz="1800" b="0" u="none" strike="noStrike" dirty="0">
               <a:solidFill>
                 <a:schemeClr val="lt1"/>
               </a:solidFill>
@@ -17553,7 +17564,7 @@
               </a:tabLst>
             </a:pPr>
             <a:r>
-              <a:rPr lang="hu-HU" sz="8800" b="0" u="none" strike="noStrike">
+              <a:rPr lang="hu-HU" sz="8800" b="0" u="none" strike="noStrike" dirty="0">
                 <a:solidFill>
                   <a:srgbClr val="FFFFFF"/>
                 </a:solidFill>
@@ -17561,9 +17572,31 @@
                 <a:uFillTx/>
                 <a:latin typeface="Aptos Display"/>
               </a:rPr>
-              <a:t>A Git, GitHub és a verziókezelés</a:t>
+              <a:t>A </a:t>
             </a:r>
-            <a:endParaRPr lang="en-US" sz="8800" b="0" u="none" strike="noStrike">
+            <a:r>
+              <a:rPr lang="hu-HU" sz="8800" b="0" u="none" strike="noStrike" dirty="0" err="1">
+                <a:solidFill>
+                  <a:srgbClr val="FFFFFF"/>
+                </a:solidFill>
+                <a:effectLst/>
+                <a:uFillTx/>
+                <a:latin typeface="Aptos Display"/>
+              </a:rPr>
+              <a:t>Git</a:t>
+            </a:r>
+            <a:r>
+              <a:rPr lang="hu-HU" sz="8800" b="0" u="none" strike="noStrike" dirty="0">
+                <a:solidFill>
+                  <a:srgbClr val="FFFFFF"/>
+                </a:solidFill>
+                <a:effectLst/>
+                <a:uFillTx/>
+                <a:latin typeface="Aptos Display"/>
+              </a:rPr>
+              <a:t>, GitHub és a verziókezelés</a:t>
+            </a:r>
+            <a:endParaRPr lang="en-US" sz="8800" b="0" u="none" strike="noStrike" dirty="0">
               <a:solidFill>
                 <a:srgbClr val="000000"/>
               </a:solidFill>
